--- a/Presentation/Model_Presentation - Copy.pptx
+++ b/Presentation/Model_Presentation - Copy.pptx
@@ -10,8 +10,9 @@
     <p:sldId id="1176" r:id="rId4"/>
     <p:sldId id="259" r:id="rId5"/>
     <p:sldId id="1179" r:id="rId6"/>
-    <p:sldId id="1180" r:id="rId7"/>
-    <p:sldId id="1178" r:id="rId8"/>
+    <p:sldId id="1181" r:id="rId7"/>
+    <p:sldId id="1180" r:id="rId8"/>
+    <p:sldId id="1178" r:id="rId9"/>
   </p:sldIdLst>
   <p:sldSz cx="12192000" cy="6858000"/>
   <p:notesSz cx="6858000" cy="9144000"/>
@@ -279,7 +280,7 @@
           <a:p>
             <a:fld id="{9BBA85A1-4133-4647-A699-AD6F898723FF}" type="datetimeFigureOut">
               <a:rPr lang="en-GB" smtClean="0"/>
-              <a:t>08/09/2024</a:t>
+              <a:t>03/10/2024</a:t>
             </a:fld>
             <a:endParaRPr lang="en-GB" dirty="0"/>
           </a:p>
@@ -2501,7 +2502,7 @@
           <a:p>
             <a:fld id="{9BBA85A1-4133-4647-A699-AD6F898723FF}" type="datetimeFigureOut">
               <a:rPr lang="en-GB" smtClean="0"/>
-              <a:t>08/09/2024</a:t>
+              <a:t>03/10/2024</a:t>
             </a:fld>
             <a:endParaRPr lang="en-GB" dirty="0"/>
           </a:p>
@@ -3855,7 +3856,7 @@
           <a:p>
             <a:fld id="{BDF8DE39-F892-4617-9C97-98FF9D63538F}" type="datetimeFigureOut">
               <a:rPr lang="en-US" smtClean="0"/>
-              <a:t>9/8/2024</a:t>
+              <a:t>10/3/2024</a:t>
             </a:fld>
             <a:endParaRPr lang="en-US"/>
           </a:p>
@@ -4093,7 +4094,7 @@
           <a:p>
             <a:fld id="{BDF8DE39-F892-4617-9C97-98FF9D63538F}" type="datetimeFigureOut">
               <a:rPr lang="en-US" smtClean="0"/>
-              <a:t>9/8/2024</a:t>
+              <a:t>10/3/2024</a:t>
             </a:fld>
             <a:endParaRPr lang="en-US"/>
           </a:p>
@@ -4398,7 +4399,7 @@
           <a:p>
             <a:fld id="{BDF8DE39-F892-4617-9C97-98FF9D63538F}" type="datetimeFigureOut">
               <a:rPr lang="en-US" smtClean="0"/>
-              <a:t>9/8/2024</a:t>
+              <a:t>10/3/2024</a:t>
             </a:fld>
             <a:endParaRPr lang="en-US"/>
           </a:p>
@@ -4813,7 +4814,7 @@
           <a:p>
             <a:fld id="{BDF8DE39-F892-4617-9C97-98FF9D63538F}" type="datetimeFigureOut">
               <a:rPr lang="en-US" smtClean="0"/>
-              <a:t>9/8/2024</a:t>
+              <a:t>10/3/2024</a:t>
             </a:fld>
             <a:endParaRPr lang="en-US"/>
           </a:p>
@@ -5264,7 +5265,7 @@
           <a:p>
             <a:fld id="{BDF8DE39-F892-4617-9C97-98FF9D63538F}" type="datetimeFigureOut">
               <a:rPr lang="en-US" smtClean="0"/>
-              <a:t>9/8/2024</a:t>
+              <a:t>10/3/2024</a:t>
             </a:fld>
             <a:endParaRPr lang="en-US"/>
           </a:p>
@@ -5437,7 +5438,7 @@
           <a:p>
             <a:fld id="{BDF8DE39-F892-4617-9C97-98FF9D63538F}" type="datetimeFigureOut">
               <a:rPr lang="en-US" smtClean="0"/>
-              <a:t>9/8/2024</a:t>
+              <a:t>10/3/2024</a:t>
             </a:fld>
             <a:endParaRPr lang="en-US"/>
           </a:p>
@@ -5574,7 +5575,7 @@
           <a:p>
             <a:fld id="{BDF8DE39-F892-4617-9C97-98FF9D63538F}" type="datetimeFigureOut">
               <a:rPr lang="en-US" smtClean="0"/>
-              <a:t>9/8/2024</a:t>
+              <a:t>10/3/2024</a:t>
             </a:fld>
             <a:endParaRPr lang="en-US"/>
           </a:p>
@@ -5918,7 +5919,7 @@
           <a:p>
             <a:fld id="{BDF8DE39-F892-4617-9C97-98FF9D63538F}" type="datetimeFigureOut">
               <a:rPr lang="en-US" smtClean="0"/>
-              <a:t>9/8/2024</a:t>
+              <a:t>10/3/2024</a:t>
             </a:fld>
             <a:endParaRPr lang="en-US"/>
           </a:p>
@@ -6239,7 +6240,7 @@
           <a:p>
             <a:fld id="{BDF8DE39-F892-4617-9C97-98FF9D63538F}" type="datetimeFigureOut">
               <a:rPr lang="en-US" smtClean="0"/>
-              <a:t>9/8/2024</a:t>
+              <a:t>10/3/2024</a:t>
             </a:fld>
             <a:endParaRPr lang="en-US"/>
           </a:p>
@@ -6477,7 +6478,7 @@
           <a:p>
             <a:fld id="{BDF8DE39-F892-4617-9C97-98FF9D63538F}" type="datetimeFigureOut">
               <a:rPr lang="en-US" smtClean="0"/>
-              <a:t>9/8/2024</a:t>
+              <a:t>10/3/2024</a:t>
             </a:fld>
             <a:endParaRPr lang="en-US"/>
           </a:p>
@@ -6715,7 +6716,7 @@
           <a:p>
             <a:fld id="{BDF8DE39-F892-4617-9C97-98FF9D63538F}" type="datetimeFigureOut">
               <a:rPr lang="en-US" smtClean="0"/>
-              <a:t>9/8/2024</a:t>
+              <a:t>10/3/2024</a:t>
             </a:fld>
             <a:endParaRPr lang="en-US"/>
           </a:p>
@@ -8079,7 +8080,7 @@
           <a:p>
             <a:fld id="{9BBA85A1-4133-4647-A699-AD6F898723FF}" type="datetimeFigureOut">
               <a:rPr lang="en-GB" smtClean="0"/>
-              <a:t>08/09/2024</a:t>
+              <a:t>03/10/2024</a:t>
             </a:fld>
             <a:endParaRPr lang="en-GB" dirty="0"/>
           </a:p>
@@ -11281,10 +11282,10 @@
       </p:grpSpPr>
       <p:sp>
         <p:nvSpPr>
-          <p:cNvPr id="18" name="Rectangle 17">
-            <a:extLst>
-              <a:ext uri="{FF2B5EF4-FFF2-40B4-BE49-F238E27FC236}">
-                <a16:creationId xmlns:a16="http://schemas.microsoft.com/office/drawing/2014/main" id="{502FBB75-2CF6-705E-E369-9F337BF9D437}"/>
+          <p:cNvPr id="3" name="Rectangle 2">
+            <a:extLst>
+              <a:ext uri="{FF2B5EF4-FFF2-40B4-BE49-F238E27FC236}">
+                <a16:creationId xmlns:a16="http://schemas.microsoft.com/office/drawing/2014/main" id="{3BE9411F-5F09-C56A-81EF-BBA8388A39DC}"/>
               </a:ext>
             </a:extLst>
           </p:cNvPr>
@@ -11293,7 +11294,7 @@
         </p:nvSpPr>
         <p:spPr>
           <a:xfrm>
-            <a:off x="276639" y="213691"/>
+            <a:off x="248478" y="218661"/>
             <a:ext cx="11638722" cy="6430617"/>
           </a:xfrm>
           <a:prstGeom prst="rect">
@@ -11450,10 +11451,10 @@
         </p:nvGrpSpPr>
         <p:grpSpPr>
           <a:xfrm>
-            <a:off x="510962" y="1962937"/>
-            <a:ext cx="337785" cy="4196559"/>
-            <a:chOff x="510962" y="1962937"/>
-            <a:chExt cx="337785" cy="4196559"/>
+            <a:off x="497433" y="1962938"/>
+            <a:ext cx="364843" cy="4196558"/>
+            <a:chOff x="497433" y="1962938"/>
+            <a:chExt cx="364843" cy="4196558"/>
           </a:xfrm>
         </p:grpSpPr>
         <p:sp>
@@ -11470,8 +11471,8 @@
           </p:nvSpPr>
           <p:spPr>
             <a:xfrm rot="16200000">
-              <a:off x="-173170" y="2647069"/>
-              <a:ext cx="1706049" cy="337785"/>
+              <a:off x="-173170" y="2633541"/>
+              <a:ext cx="1706049" cy="364843"/>
             </a:xfrm>
             <a:prstGeom prst="rect">
               <a:avLst/>
@@ -11490,7 +11491,7 @@
                 </a:lnSpc>
               </a:pPr>
               <a:r>
-                <a:rPr lang="en-GB" sz="1050" b="1" u="sng" spc="300" dirty="0">
+                <a:rPr lang="en-GB" b="1" u="sng" dirty="0">
                   <a:solidFill>
                     <a:schemeClr val="tx1">
                       <a:lumMod val="75000"/>
@@ -11646,7 +11647,7 @@
         <p:spPr>
           <a:xfrm>
             <a:off x="8458386" y="611490"/>
-            <a:ext cx="2788734" cy="230832"/>
+            <a:ext cx="2788734" cy="276999"/>
           </a:xfrm>
           <a:prstGeom prst="rect">
             <a:avLst/>
@@ -11660,7 +11661,7 @@
           <a:lstStyle/>
           <a:p>
             <a:r>
-              <a:rPr lang="en-US" sz="900" b="0" i="0" dirty="0">
+              <a:rPr lang="en-US" sz="1200" b="1" i="0" dirty="0">
                 <a:effectLst/>
                 <a:latin typeface="Poppins "/>
                 <a:ea typeface="Arimo Medium" panose="020B0604020202020204" pitchFamily="34" charset="0"/>
@@ -11669,7 +11670,7 @@
               <a:t>Busines</a:t>
             </a:r>
             <a:r>
-              <a:rPr lang="en-US" sz="900" dirty="0">
+              <a:rPr lang="en-US" sz="1200" b="1" dirty="0">
                 <a:latin typeface="Poppins "/>
                 <a:ea typeface="Arimo Medium" panose="020B0604020202020204" pitchFamily="34" charset="0"/>
                 <a:cs typeface="Poppins" panose="00000500000000000000" pitchFamily="2" charset="0"/>
@@ -11693,8 +11694,8 @@
         </p:nvSpPr>
         <p:spPr>
           <a:xfrm>
-            <a:off x="2753360" y="1025001"/>
-            <a:ext cx="9133840" cy="487313"/>
+            <a:off x="2989902" y="1048831"/>
+            <a:ext cx="8766832" cy="902427"/>
           </a:xfrm>
           <a:prstGeom prst="rect">
             <a:avLst/>
@@ -11713,15 +11714,79 @@
               </a:lnSpc>
             </a:pPr>
             <a:r>
-              <a:rPr lang="en-GB" sz="1000" dirty="0">
+              <a:rPr lang="en-US" sz="1200" dirty="0">
                 <a:solidFill>
                   <a:schemeClr val="tx2"/>
                 </a:solidFill>
-                <a:latin typeface="Poppins "/>
+                <a:latin typeface="Candara" panose="020E0502030303020204" pitchFamily="34" charset="0"/>
                 <a:ea typeface="Inter" panose="02000503000000020004" pitchFamily="2" charset="0"/>
               </a:rPr>
-              <a:t>There are many variations of passages of Lorem Ipsum and an available, but the passage of Lorem looks reasonable. The injected humour, or non-characteristic words etc.</a:t>
+              <a:t>The primary objective is to develop </a:t>
             </a:r>
+            <a:r>
+              <a:rPr lang="en-US" sz="1200" b="1" dirty="0">
+                <a:solidFill>
+                  <a:schemeClr val="tx2"/>
+                </a:solidFill>
+                <a:latin typeface="Candara" panose="020E0502030303020204" pitchFamily="34" charset="0"/>
+                <a:ea typeface="Inter" panose="02000503000000020004" pitchFamily="2" charset="0"/>
+              </a:rPr>
+              <a:t>a propensity model using the variables provided by the bank</a:t>
+            </a:r>
+            <a:r>
+              <a:rPr lang="en-US" sz="1200" dirty="0">
+                <a:solidFill>
+                  <a:schemeClr val="tx2"/>
+                </a:solidFill>
+                <a:latin typeface="Candara" panose="020E0502030303020204" pitchFamily="34" charset="0"/>
+                <a:ea typeface="Inter" panose="02000503000000020004" pitchFamily="2" charset="0"/>
+              </a:rPr>
+              <a:t>. </a:t>
+            </a:r>
+          </a:p>
+          <a:p>
+            <a:pPr>
+              <a:lnSpc>
+                <a:spcPts val="1600"/>
+              </a:lnSpc>
+            </a:pPr>
+            <a:r>
+              <a:rPr lang="en-US" sz="1200" dirty="0">
+                <a:solidFill>
+                  <a:schemeClr val="tx2"/>
+                </a:solidFill>
+                <a:latin typeface="Candara" panose="020E0502030303020204" pitchFamily="34" charset="0"/>
+                <a:ea typeface="Inter" panose="02000503000000020004" pitchFamily="2" charset="0"/>
+              </a:rPr>
+              <a:t>These variables can be categorized into four main groups: </a:t>
+            </a:r>
+            <a:r>
+              <a:rPr lang="en-US" sz="1200" b="1" dirty="0">
+                <a:solidFill>
+                  <a:schemeClr val="tx2"/>
+                </a:solidFill>
+                <a:latin typeface="Candara" panose="020E0502030303020204" pitchFamily="34" charset="0"/>
+                <a:ea typeface="Inter" panose="02000503000000020004" pitchFamily="2" charset="0"/>
+              </a:rPr>
+              <a:t>Demographics, Bureau Data, Bank Transaction Variables, Insurance-related Variables.</a:t>
+            </a:r>
+            <a:r>
+              <a:rPr lang="en-US" sz="1200" dirty="0">
+                <a:solidFill>
+                  <a:schemeClr val="tx2"/>
+                </a:solidFill>
+                <a:latin typeface="Candara" panose="020E0502030303020204" pitchFamily="34" charset="0"/>
+                <a:ea typeface="Inter" panose="02000503000000020004" pitchFamily="2" charset="0"/>
+              </a:rPr>
+              <a:t> The goal is to identify individuals who are most likely to purchase insurance products across different cohorts and map appropriate products.</a:t>
+            </a:r>
+            <a:endParaRPr lang="en-GB" sz="1200" dirty="0">
+              <a:solidFill>
+                <a:schemeClr val="tx2"/>
+              </a:solidFill>
+              <a:latin typeface="Candara" panose="020E0502030303020204" pitchFamily="34" charset="0"/>
+              <a:ea typeface="Inter" panose="02000503000000020004" pitchFamily="2" charset="0"/>
+            </a:endParaRPr>
           </a:p>
         </p:txBody>
       </p:sp>
@@ -11738,11 +11803,11 @@
           <p:nvPr/>
         </p:nvGrpSpPr>
         <p:grpSpPr>
-          <a:xfrm>
-            <a:off x="6974572" y="3216526"/>
-            <a:ext cx="1052386" cy="3150060"/>
-            <a:chOff x="3348907" y="2933699"/>
-            <a:chExt cx="1052386" cy="3311522"/>
+          <a:xfrm rot="5400000">
+            <a:off x="7845403" y="2269632"/>
+            <a:ext cx="3306719" cy="4477137"/>
+            <a:chOff x="3265149" y="2807468"/>
+            <a:chExt cx="3306719" cy="3462486"/>
           </a:xfrm>
         </p:grpSpPr>
         <p:sp>
@@ -11759,8 +11824,8 @@
           </p:nvSpPr>
           <p:spPr>
             <a:xfrm rot="16200000">
-              <a:off x="2418712" y="4262640"/>
-              <a:ext cx="3311522" cy="653640"/>
+              <a:off x="3469557" y="3016679"/>
+              <a:ext cx="3311522" cy="2893100"/>
             </a:xfrm>
             <a:prstGeom prst="rect">
               <a:avLst/>
@@ -11773,74 +11838,90 @@
             </a:bodyPr>
             <a:lstStyle/>
             <a:p>
-              <a:pPr>
-                <a:lnSpc>
-                  <a:spcPts val="1500"/>
-                </a:lnSpc>
-              </a:pPr>
+              <a:pPr algn="l"/>
               <a:r>
-                <a:rPr lang="en-GB" sz="900" b="0" i="0" dirty="0">
-                  <a:solidFill>
-                    <a:schemeClr val="tx1">
-                      <a:alpha val="90000"/>
-                    </a:schemeClr>
-                  </a:solidFill>
+                <a:rPr lang="en-US" sz="1400" b="0" i="0" dirty="0">
                   <a:effectLst/>
-                  <a:latin typeface="Poppins "/>
-                  <a:ea typeface="Arimo" panose="020B0604020202020204" pitchFamily="34" charset="0"/>
-                  <a:cs typeface="Arimo" panose="020B0604020202020204" pitchFamily="34" charset="0"/>
+                  <a:latin typeface="Candara" panose="020E0502030303020204" pitchFamily="34" charset="0"/>
                 </a:rPr>
-                <a:t>Many desktop publishing packages and web</a:t>
+                <a:t>The  automated system will generate four distinct models:</a:t>
               </a:r>
             </a:p>
             <a:p>
-              <a:pPr>
-                <a:lnSpc>
-                  <a:spcPts val="1500"/>
-                </a:lnSpc>
+              <a:pPr marL="628650" lvl="1" indent="-171450">
+                <a:buFont typeface="Arial" panose="020B0604020202020204" pitchFamily="34" charset="0"/>
+                <a:buChar char="•"/>
               </a:pPr>
               <a:r>
-                <a:rPr lang="en-GB" sz="900" b="0" i="0" dirty="0">
-                  <a:solidFill>
-                    <a:schemeClr val="tx1">
-                      <a:alpha val="90000"/>
-                    </a:schemeClr>
-                  </a:solidFill>
+                <a:rPr lang="en-US" sz="1400" b="0" i="0" dirty="0">
                   <a:effectLst/>
-                  <a:latin typeface="Poppins "/>
-                  <a:ea typeface="Arimo" panose="020B0604020202020204" pitchFamily="34" charset="0"/>
-                  <a:cs typeface="Arimo" panose="020B0604020202020204" pitchFamily="34" charset="0"/>
+                  <a:latin typeface="Candara" panose="020E0502030303020204" pitchFamily="34" charset="0"/>
                 </a:rPr>
-                <a:t>now use Lorem Ipsum as their model text, and </a:t>
+                <a:t>Logistic Regression</a:t>
               </a:r>
             </a:p>
             <a:p>
-              <a:pPr>
-                <a:lnSpc>
-                  <a:spcPts val="1500"/>
-                </a:lnSpc>
+              <a:pPr marL="628650" lvl="1" indent="-171450">
+                <a:buFont typeface="Arial" panose="020B0604020202020204" pitchFamily="34" charset="0"/>
+                <a:buChar char="•"/>
               </a:pPr>
               <a:r>
-                <a:rPr lang="en-GB" sz="900" b="0" i="0" dirty="0">
-                  <a:solidFill>
-                    <a:schemeClr val="tx1">
-                      <a:alpha val="90000"/>
-                    </a:schemeClr>
-                  </a:solidFill>
+                <a:rPr lang="en-US" sz="1400" b="0" i="0" dirty="0" err="1">
                   <a:effectLst/>
-                  <a:latin typeface="Poppins "/>
-                  <a:ea typeface="Arimo" panose="020B0604020202020204" pitchFamily="34" charset="0"/>
-                  <a:cs typeface="Arimo" panose="020B0604020202020204" pitchFamily="34" charset="0"/>
+                  <a:latin typeface="Candara" panose="020E0502030303020204" pitchFamily="34" charset="0"/>
                 </a:rPr>
-                <a:t>'lorem ipsum’  design</a:t>
+                <a:t>XGBoost</a:t>
               </a:r>
-              <a:endParaRPr lang="en-GB" sz="900" dirty="0">
+              <a:endParaRPr lang="en-US" sz="1400" b="0" i="0" dirty="0">
+                <a:effectLst/>
+                <a:latin typeface="Candara" panose="020E0502030303020204" pitchFamily="34" charset="0"/>
+              </a:endParaRPr>
+            </a:p>
+            <a:p>
+              <a:pPr marL="628650" lvl="1" indent="-171450">
+                <a:buFont typeface="Arial" panose="020B0604020202020204" pitchFamily="34" charset="0"/>
+                <a:buChar char="•"/>
+              </a:pPr>
+              <a:r>
+                <a:rPr lang="en-US" sz="1400" b="0" i="0" dirty="0" err="1">
+                  <a:effectLst/>
+                  <a:latin typeface="Candara" panose="020E0502030303020204" pitchFamily="34" charset="0"/>
+                </a:rPr>
+                <a:t>LightGBM</a:t>
+              </a:r>
+              <a:endParaRPr lang="en-US" sz="1400" b="0" i="0" dirty="0">
+                <a:effectLst/>
+                <a:latin typeface="Candara" panose="020E0502030303020204" pitchFamily="34" charset="0"/>
+              </a:endParaRPr>
+            </a:p>
+            <a:p>
+              <a:pPr marL="628650" lvl="1" indent="-171450">
+                <a:buFont typeface="Arial" panose="020B0604020202020204" pitchFamily="34" charset="0"/>
+                <a:buChar char="•"/>
+              </a:pPr>
+              <a:r>
+                <a:rPr lang="en-US" sz="1400" b="0" i="0" dirty="0">
+                  <a:effectLst/>
+                  <a:latin typeface="Candara" panose="020E0502030303020204" pitchFamily="34" charset="0"/>
+                </a:rPr>
+                <a:t>Random Forest</a:t>
+              </a:r>
+            </a:p>
+            <a:p>
+              <a:r>
+                <a:rPr lang="en-US" sz="1400" b="0" i="0" dirty="0">
+                  <a:effectLst/>
+                  <a:latin typeface="Candara" panose="020E0502030303020204" pitchFamily="34" charset="0"/>
+                </a:rPr>
+                <a:t>These models will incorporate automated variable selection and optimization processes. Additionally, the system will produce relevant metrics for analyzing each model, enabling the selection of the best model based on explainability and accuracy. Furthermore, sub-cohorts will be created based on individuals' propensity to purchase insurance.</a:t>
+              </a:r>
+              <a:endParaRPr lang="en-GB" sz="1400" dirty="0">
                 <a:solidFill>
                   <a:schemeClr val="tx1">
                     <a:alpha val="90000"/>
                   </a:schemeClr>
                 </a:solidFill>
-                <a:latin typeface="Poppins "/>
+                <a:latin typeface="Candara" panose="020E0502030303020204" pitchFamily="34" charset="0"/>
                 <a:ea typeface="Arimo" panose="020B0604020202020204" pitchFamily="34" charset="0"/>
                 <a:cs typeface="Arimo" panose="020B0604020202020204" pitchFamily="34" charset="0"/>
               </a:endParaRPr>
@@ -11861,7 +11942,7 @@
           </p:nvSpPr>
           <p:spPr>
             <a:xfrm rot="16200000">
-              <a:off x="2333120" y="4588318"/>
+              <a:off x="2249362" y="4915613"/>
               <a:ext cx="2370128" cy="338554"/>
             </a:xfrm>
             <a:prstGeom prst="rect">
@@ -11876,7 +11957,7 @@
             <a:lstStyle/>
             <a:p>
               <a:r>
-                <a:rPr lang="en-US" sz="1600" b="1" i="0" spc="140" dirty="0">
+                <a:rPr lang="en-US" sz="1600" b="1" i="0" dirty="0">
                   <a:effectLst/>
                   <a:latin typeface="Inter "/>
                   <a:cs typeface="Poppins SemiBold" panose="00000700000000000000" pitchFamily="50" charset="0"/>
@@ -11901,7 +11982,7 @@
         </p:nvGrpSpPr>
         <p:grpSpPr>
           <a:xfrm>
-            <a:off x="4045727" y="5900234"/>
+            <a:off x="679854" y="1980716"/>
             <a:ext cx="1413726" cy="396134"/>
             <a:chOff x="1524171" y="5770608"/>
             <a:chExt cx="1413726" cy="396134"/>
@@ -11999,7 +12080,7 @@
                   <a:latin typeface="Poppins" panose="00000500000000000000" pitchFamily="2" charset="0"/>
                   <a:cs typeface="Poppins" panose="00000500000000000000" pitchFamily="2" charset="0"/>
                 </a:rPr>
-                <a:t>Bank &amp; Others</a:t>
+                <a:t>Bank &amp; External</a:t>
               </a:r>
             </a:p>
           </p:txBody>
@@ -12064,7 +12145,7 @@
         </p:nvCxnSpPr>
         <p:spPr>
           <a:xfrm>
-            <a:off x="8629650" y="2603658"/>
+            <a:off x="8629650" y="1841658"/>
             <a:ext cx="3562350" cy="0"/>
           </a:xfrm>
           <a:prstGeom prst="line">
@@ -12120,8 +12201,8 @@
         </p:blipFill>
         <p:spPr bwMode="auto">
           <a:xfrm>
-            <a:off x="245189" y="561632"/>
-            <a:ext cx="393410" cy="393410"/>
+            <a:off x="269878" y="683071"/>
+            <a:ext cx="365760" cy="365760"/>
           </a:xfrm>
           <a:prstGeom prst="rect">
             <a:avLst/>
@@ -12140,10 +12221,10 @@
       </p:pic>
       <p:graphicFrame>
         <p:nvGraphicFramePr>
-          <p:cNvPr id="14" name="Table 13">
-            <a:extLst>
-              <a:ext uri="{FF2B5EF4-FFF2-40B4-BE49-F238E27FC236}">
-                <a16:creationId xmlns:a16="http://schemas.microsoft.com/office/drawing/2014/main" id="{576BD4A2-E558-6E02-490C-C79468CA46F7}"/>
+          <p:cNvPr id="17" name="Table 16">
+            <a:extLst>
+              <a:ext uri="{FF2B5EF4-FFF2-40B4-BE49-F238E27FC236}">
+                <a16:creationId xmlns:a16="http://schemas.microsoft.com/office/drawing/2014/main" id="{FA428DF8-39B1-DA4F-D89B-94C2161EBE01}"/>
               </a:ext>
             </a:extLst>
           </p:cNvPr>
@@ -12153,701 +12234,13 @@
           <p:nvPr>
             <p:extLst>
               <p:ext uri="{D42A27DB-BD31-4B8C-83A1-F6EECF244321}">
-                <p14:modId xmlns:p14="http://schemas.microsoft.com/office/powerpoint/2010/main" val="1569338366"/>
+                <p14:modId xmlns:p14="http://schemas.microsoft.com/office/powerpoint/2010/main" val="858890658"/>
               </p:ext>
             </p:extLst>
           </p:nvPr>
         </p:nvGraphicFramePr>
         <p:xfrm>
-          <a:off x="3798970" y="2688298"/>
-          <a:ext cx="2876912" cy="2480310"/>
-        </p:xfrm>
-        <a:graphic>
-          <a:graphicData uri="http://schemas.openxmlformats.org/drawingml/2006/table">
-            <a:tbl>
-              <a:tblPr firstRow="1" bandRow="1">
-                <a:tableStyleId>{9D7B26C5-4107-4FEC-AEDC-1716B250A1EF}</a:tableStyleId>
-              </a:tblPr>
-              <a:tblGrid>
-                <a:gridCol w="841644">
-                  <a:extLst>
-                    <a:ext uri="{9D8B030D-6E8A-4147-A177-3AD203B41FA5}">
-                      <a16:colId xmlns:a16="http://schemas.microsoft.com/office/drawing/2014/main" val="100675267"/>
-                    </a:ext>
-                  </a:extLst>
-                </a:gridCol>
-                <a:gridCol w="2035268">
-                  <a:extLst>
-                    <a:ext uri="{9D8B030D-6E8A-4147-A177-3AD203B41FA5}">
-                      <a16:colId xmlns:a16="http://schemas.microsoft.com/office/drawing/2014/main" val="4011756264"/>
-                    </a:ext>
-                  </a:extLst>
-                </a:gridCol>
-              </a:tblGrid>
-              <a:tr h="137084">
-                <a:tc>
-                  <a:txBody>
-                    <a:bodyPr/>
-                    <a:lstStyle/>
-                    <a:p>
-                      <a:pPr algn="ctr" fontAlgn="b"/>
-                      <a:r>
-                        <a:rPr lang="en-US" sz="1100" b="1" u="none" strike="noStrike" dirty="0">
-                          <a:solidFill>
-                            <a:srgbClr val="000000"/>
-                          </a:solidFill>
-                          <a:effectLst/>
-                        </a:rPr>
-                        <a:t>Categories</a:t>
-                      </a:r>
-                      <a:endParaRPr lang="en-US" sz="1100" b="1" i="0" u="none" strike="noStrike" dirty="0">
-                        <a:solidFill>
-                          <a:srgbClr val="000000"/>
-                        </a:solidFill>
-                        <a:effectLst/>
-                        <a:latin typeface="Candara" panose="020E0502030303020204" pitchFamily="34" charset="0"/>
-                      </a:endParaRPr>
-                    </a:p>
-                  </a:txBody>
-                  <a:tcPr marL="6350" marR="6350" marT="6350" marB="0" anchor="b">
-                    <a:solidFill>
-                      <a:schemeClr val="accent6">
-                        <a:lumMod val="20000"/>
-                        <a:lumOff val="80000"/>
-                      </a:schemeClr>
-                    </a:solidFill>
-                  </a:tcPr>
-                </a:tc>
-                <a:tc>
-                  <a:txBody>
-                    <a:bodyPr/>
-                    <a:lstStyle/>
-                    <a:p>
-                      <a:pPr algn="ctr" fontAlgn="b"/>
-                      <a:r>
-                        <a:rPr lang="en-US" sz="1100" b="1" u="none" strike="noStrike" dirty="0">
-                          <a:solidFill>
-                            <a:srgbClr val="000000"/>
-                          </a:solidFill>
-                          <a:effectLst/>
-                        </a:rPr>
-                        <a:t>Data Fields</a:t>
-                      </a:r>
-                      <a:endParaRPr lang="en-US" sz="1100" b="1" i="0" u="none" strike="noStrike" dirty="0">
-                        <a:solidFill>
-                          <a:srgbClr val="000000"/>
-                        </a:solidFill>
-                        <a:effectLst/>
-                        <a:latin typeface="Candara" panose="020E0502030303020204" pitchFamily="34" charset="0"/>
-                      </a:endParaRPr>
-                    </a:p>
-                  </a:txBody>
-                  <a:tcPr marL="6350" marR="6350" marT="6350" marB="0" anchor="b">
-                    <a:solidFill>
-                      <a:schemeClr val="accent6">
-                        <a:lumMod val="20000"/>
-                        <a:lumOff val="80000"/>
-                      </a:schemeClr>
-                    </a:solidFill>
-                  </a:tcPr>
-                </a:tc>
-                <a:extLst>
-                  <a:ext uri="{0D108BD9-81ED-4DB2-BD59-A6C34878D82A}">
-                    <a16:rowId xmlns:a16="http://schemas.microsoft.com/office/drawing/2014/main" val="3444534402"/>
-                  </a:ext>
-                </a:extLst>
-              </a:tr>
-              <a:tr h="184150">
-                <a:tc rowSpan="12">
-                  <a:txBody>
-                    <a:bodyPr/>
-                    <a:lstStyle/>
-                    <a:p>
-                      <a:pPr algn="ctr" fontAlgn="ctr"/>
-                      <a:r>
-                        <a:rPr lang="en-US" sz="900" b="1" u="none" strike="noStrike" dirty="0">
-                          <a:solidFill>
-                            <a:srgbClr val="000000"/>
-                          </a:solidFill>
-                          <a:effectLst/>
-                          <a:latin typeface="Candara" panose="020E0502030303020204" pitchFamily="34" charset="0"/>
-                        </a:rPr>
-                        <a:t>Demographics</a:t>
-                      </a:r>
-                      <a:endParaRPr lang="en-US" sz="900" b="1" i="0" u="none" strike="noStrike" dirty="0">
-                        <a:solidFill>
-                          <a:srgbClr val="000000"/>
-                        </a:solidFill>
-                        <a:effectLst/>
-                        <a:latin typeface="Candara" panose="020E0502030303020204" pitchFamily="34" charset="0"/>
-                      </a:endParaRPr>
-                    </a:p>
-                  </a:txBody>
-                  <a:tcPr marL="6350" marR="6350" marT="6350" marB="0" anchor="ctr"/>
-                </a:tc>
-                <a:tc>
-                  <a:txBody>
-                    <a:bodyPr/>
-                    <a:lstStyle/>
-                    <a:p>
-                      <a:pPr algn="ctr" fontAlgn="b"/>
-                      <a:r>
-                        <a:rPr lang="en-US" sz="900" b="1" u="none" strike="noStrike" dirty="0">
-                          <a:solidFill>
-                            <a:srgbClr val="000000"/>
-                          </a:solidFill>
-                          <a:effectLst/>
-                          <a:latin typeface="Candara" panose="020E0502030303020204" pitchFamily="34" charset="0"/>
-                        </a:rPr>
-                        <a:t>Income</a:t>
-                      </a:r>
-                      <a:endParaRPr lang="en-US" sz="900" b="1" i="0" u="none" strike="noStrike" dirty="0">
-                        <a:solidFill>
-                          <a:srgbClr val="000000"/>
-                        </a:solidFill>
-                        <a:effectLst/>
-                        <a:latin typeface="Candara" panose="020E0502030303020204" pitchFamily="34" charset="0"/>
-                      </a:endParaRPr>
-                    </a:p>
-                  </a:txBody>
-                  <a:tcPr marL="6350" marR="6350" marT="6350" marB="0" anchor="b"/>
-                </a:tc>
-                <a:extLst>
-                  <a:ext uri="{0D108BD9-81ED-4DB2-BD59-A6C34878D82A}">
-                    <a16:rowId xmlns:a16="http://schemas.microsoft.com/office/drawing/2014/main" val="1808560538"/>
-                  </a:ext>
-                </a:extLst>
-              </a:tr>
-              <a:tr h="184150">
-                <a:tc vMerge="1">
-                  <a:txBody>
-                    <a:bodyPr/>
-                    <a:lstStyle/>
-                    <a:p>
-                      <a:endParaRPr lang="en-US"/>
-                    </a:p>
-                  </a:txBody>
-                  <a:tcPr/>
-                </a:tc>
-                <a:tc>
-                  <a:txBody>
-                    <a:bodyPr/>
-                    <a:lstStyle/>
-                    <a:p>
-                      <a:pPr algn="ctr" fontAlgn="b"/>
-                      <a:r>
-                        <a:rPr lang="en-US" sz="900" b="1" u="none" strike="noStrike" dirty="0">
-                          <a:solidFill>
-                            <a:srgbClr val="000000"/>
-                          </a:solidFill>
-                          <a:effectLst/>
-                          <a:latin typeface="Candara" panose="020E0502030303020204" pitchFamily="34" charset="0"/>
-                        </a:rPr>
-                        <a:t>Occupation</a:t>
-                      </a:r>
-                      <a:endParaRPr lang="en-US" sz="900" b="1" i="0" u="none" strike="noStrike" dirty="0">
-                        <a:solidFill>
-                          <a:srgbClr val="000000"/>
-                        </a:solidFill>
-                        <a:effectLst/>
-                        <a:latin typeface="Candara" panose="020E0502030303020204" pitchFamily="34" charset="0"/>
-                      </a:endParaRPr>
-                    </a:p>
-                  </a:txBody>
-                  <a:tcPr marL="6350" marR="6350" marT="6350" marB="0" anchor="b"/>
-                </a:tc>
-                <a:extLst>
-                  <a:ext uri="{0D108BD9-81ED-4DB2-BD59-A6C34878D82A}">
-                    <a16:rowId xmlns:a16="http://schemas.microsoft.com/office/drawing/2014/main" val="1299621962"/>
-                  </a:ext>
-                </a:extLst>
-              </a:tr>
-              <a:tr h="184150">
-                <a:tc vMerge="1">
-                  <a:txBody>
-                    <a:bodyPr/>
-                    <a:lstStyle/>
-                    <a:p>
-                      <a:endParaRPr lang="en-US"/>
-                    </a:p>
-                  </a:txBody>
-                  <a:tcPr/>
-                </a:tc>
-                <a:tc>
-                  <a:txBody>
-                    <a:bodyPr/>
-                    <a:lstStyle/>
-                    <a:p>
-                      <a:pPr algn="ctr" fontAlgn="b"/>
-                      <a:r>
-                        <a:rPr lang="en-US" sz="900" b="1" u="none" strike="noStrike" dirty="0">
-                          <a:solidFill>
-                            <a:srgbClr val="000000"/>
-                          </a:solidFill>
-                          <a:effectLst/>
-                          <a:latin typeface="Candara" panose="020E0502030303020204" pitchFamily="34" charset="0"/>
-                        </a:rPr>
-                        <a:t>Age</a:t>
-                      </a:r>
-                      <a:endParaRPr lang="en-US" sz="900" b="1" i="0" u="none" strike="noStrike" dirty="0">
-                        <a:solidFill>
-                          <a:srgbClr val="000000"/>
-                        </a:solidFill>
-                        <a:effectLst/>
-                        <a:latin typeface="Candara" panose="020E0502030303020204" pitchFamily="34" charset="0"/>
-                      </a:endParaRPr>
-                    </a:p>
-                  </a:txBody>
-                  <a:tcPr marL="6350" marR="6350" marT="6350" marB="0" anchor="b"/>
-                </a:tc>
-                <a:extLst>
-                  <a:ext uri="{0D108BD9-81ED-4DB2-BD59-A6C34878D82A}">
-                    <a16:rowId xmlns:a16="http://schemas.microsoft.com/office/drawing/2014/main" val="4283130558"/>
-                  </a:ext>
-                </a:extLst>
-              </a:tr>
-              <a:tr h="184150">
-                <a:tc vMerge="1">
-                  <a:txBody>
-                    <a:bodyPr/>
-                    <a:lstStyle/>
-                    <a:p>
-                      <a:endParaRPr lang="en-US"/>
-                    </a:p>
-                  </a:txBody>
-                  <a:tcPr/>
-                </a:tc>
-                <a:tc>
-                  <a:txBody>
-                    <a:bodyPr/>
-                    <a:lstStyle/>
-                    <a:p>
-                      <a:pPr algn="ctr" fontAlgn="b"/>
-                      <a:r>
-                        <a:rPr lang="en-US" sz="900" b="1" u="none" strike="noStrike" dirty="0">
-                          <a:solidFill>
-                            <a:srgbClr val="000000"/>
-                          </a:solidFill>
-                          <a:effectLst/>
-                          <a:latin typeface="Candara" panose="020E0502030303020204" pitchFamily="34" charset="0"/>
-                        </a:rPr>
-                        <a:t>Marital Status</a:t>
-                      </a:r>
-                      <a:endParaRPr lang="en-US" sz="900" b="1" i="0" u="none" strike="noStrike" dirty="0">
-                        <a:solidFill>
-                          <a:srgbClr val="000000"/>
-                        </a:solidFill>
-                        <a:effectLst/>
-                        <a:latin typeface="Candara" panose="020E0502030303020204" pitchFamily="34" charset="0"/>
-                      </a:endParaRPr>
-                    </a:p>
-                  </a:txBody>
-                  <a:tcPr marL="6350" marR="6350" marT="6350" marB="0" anchor="b"/>
-                </a:tc>
-                <a:extLst>
-                  <a:ext uri="{0D108BD9-81ED-4DB2-BD59-A6C34878D82A}">
-                    <a16:rowId xmlns:a16="http://schemas.microsoft.com/office/drawing/2014/main" val="2253606648"/>
-                  </a:ext>
-                </a:extLst>
-              </a:tr>
-              <a:tr h="184150">
-                <a:tc vMerge="1">
-                  <a:txBody>
-                    <a:bodyPr/>
-                    <a:lstStyle/>
-                    <a:p>
-                      <a:endParaRPr lang="en-US"/>
-                    </a:p>
-                  </a:txBody>
-                  <a:tcPr/>
-                </a:tc>
-                <a:tc>
-                  <a:txBody>
-                    <a:bodyPr/>
-                    <a:lstStyle/>
-                    <a:p>
-                      <a:pPr algn="ctr" fontAlgn="b"/>
-                      <a:r>
-                        <a:rPr lang="en-US" sz="900" b="1" u="none" strike="noStrike" dirty="0">
-                          <a:solidFill>
-                            <a:srgbClr val="000000"/>
-                          </a:solidFill>
-                          <a:effectLst/>
-                          <a:latin typeface="Candara" panose="020E0502030303020204" pitchFamily="34" charset="0"/>
-                        </a:rPr>
-                        <a:t>Pin-code</a:t>
-                      </a:r>
-                      <a:endParaRPr lang="en-US" sz="900" b="1" i="0" u="none" strike="noStrike" dirty="0">
-                        <a:solidFill>
-                          <a:srgbClr val="000000"/>
-                        </a:solidFill>
-                        <a:effectLst/>
-                        <a:latin typeface="Candara" panose="020E0502030303020204" pitchFamily="34" charset="0"/>
-                      </a:endParaRPr>
-                    </a:p>
-                  </a:txBody>
-                  <a:tcPr marL="6350" marR="6350" marT="6350" marB="0" anchor="b"/>
-                </a:tc>
-                <a:extLst>
-                  <a:ext uri="{0D108BD9-81ED-4DB2-BD59-A6C34878D82A}">
-                    <a16:rowId xmlns:a16="http://schemas.microsoft.com/office/drawing/2014/main" val="3388667169"/>
-                  </a:ext>
-                </a:extLst>
-              </a:tr>
-              <a:tr h="184150">
-                <a:tc vMerge="1">
-                  <a:txBody>
-                    <a:bodyPr/>
-                    <a:lstStyle/>
-                    <a:p>
-                      <a:endParaRPr lang="en-US"/>
-                    </a:p>
-                  </a:txBody>
-                  <a:tcPr/>
-                </a:tc>
-                <a:tc>
-                  <a:txBody>
-                    <a:bodyPr/>
-                    <a:lstStyle/>
-                    <a:p>
-                      <a:pPr algn="ctr" fontAlgn="b"/>
-                      <a:r>
-                        <a:rPr lang="en-US" sz="900" b="1" u="none" strike="noStrike" dirty="0">
-                          <a:solidFill>
-                            <a:srgbClr val="000000"/>
-                          </a:solidFill>
-                          <a:effectLst/>
-                          <a:latin typeface="Candara" panose="020E0502030303020204" pitchFamily="34" charset="0"/>
-                        </a:rPr>
-                        <a:t>State</a:t>
-                      </a:r>
-                      <a:endParaRPr lang="en-US" sz="900" b="1" i="0" u="none" strike="noStrike" dirty="0">
-                        <a:solidFill>
-                          <a:srgbClr val="000000"/>
-                        </a:solidFill>
-                        <a:effectLst/>
-                        <a:latin typeface="Candara" panose="020E0502030303020204" pitchFamily="34" charset="0"/>
-                      </a:endParaRPr>
-                    </a:p>
-                  </a:txBody>
-                  <a:tcPr marL="6350" marR="6350" marT="6350" marB="0" anchor="b"/>
-                </a:tc>
-                <a:extLst>
-                  <a:ext uri="{0D108BD9-81ED-4DB2-BD59-A6C34878D82A}">
-                    <a16:rowId xmlns:a16="http://schemas.microsoft.com/office/drawing/2014/main" val="3212278575"/>
-                  </a:ext>
-                </a:extLst>
-              </a:tr>
-              <a:tr h="184150">
-                <a:tc vMerge="1">
-                  <a:txBody>
-                    <a:bodyPr/>
-                    <a:lstStyle/>
-                    <a:p>
-                      <a:endParaRPr lang="en-US"/>
-                    </a:p>
-                  </a:txBody>
-                  <a:tcPr/>
-                </a:tc>
-                <a:tc>
-                  <a:txBody>
-                    <a:bodyPr/>
-                    <a:lstStyle/>
-                    <a:p>
-                      <a:pPr algn="ctr" fontAlgn="b"/>
-                      <a:r>
-                        <a:rPr lang="en-US" sz="900" b="1" u="none" strike="noStrike" dirty="0">
-                          <a:solidFill>
-                            <a:srgbClr val="000000"/>
-                          </a:solidFill>
-                          <a:effectLst/>
-                          <a:latin typeface="Candara" panose="020E0502030303020204" pitchFamily="34" charset="0"/>
-                        </a:rPr>
-                        <a:t>Zone</a:t>
-                      </a:r>
-                      <a:endParaRPr lang="en-US" sz="900" b="1" i="0" u="none" strike="noStrike" dirty="0">
-                        <a:solidFill>
-                          <a:srgbClr val="000000"/>
-                        </a:solidFill>
-                        <a:effectLst/>
-                        <a:latin typeface="Candara" panose="020E0502030303020204" pitchFamily="34" charset="0"/>
-                      </a:endParaRPr>
-                    </a:p>
-                  </a:txBody>
-                  <a:tcPr marL="6350" marR="6350" marT="6350" marB="0" anchor="b"/>
-                </a:tc>
-                <a:extLst>
-                  <a:ext uri="{0D108BD9-81ED-4DB2-BD59-A6C34878D82A}">
-                    <a16:rowId xmlns:a16="http://schemas.microsoft.com/office/drawing/2014/main" val="3877940810"/>
-                  </a:ext>
-                </a:extLst>
-              </a:tr>
-              <a:tr h="184150">
-                <a:tc vMerge="1">
-                  <a:txBody>
-                    <a:bodyPr/>
-                    <a:lstStyle/>
-                    <a:p>
-                      <a:endParaRPr lang="en-US"/>
-                    </a:p>
-                  </a:txBody>
-                  <a:tcPr/>
-                </a:tc>
-                <a:tc>
-                  <a:txBody>
-                    <a:bodyPr/>
-                    <a:lstStyle/>
-                    <a:p>
-                      <a:pPr algn="ctr" fontAlgn="b"/>
-                      <a:r>
-                        <a:rPr lang="en-US" sz="900" b="1" u="none" strike="noStrike" dirty="0">
-                          <a:solidFill>
-                            <a:srgbClr val="000000"/>
-                          </a:solidFill>
-                          <a:effectLst/>
-                          <a:latin typeface="Candara" panose="020E0502030303020204" pitchFamily="34" charset="0"/>
-                        </a:rPr>
-                        <a:t>Nominee Flag</a:t>
-                      </a:r>
-                      <a:endParaRPr lang="en-US" sz="900" b="1" i="0" u="none" strike="noStrike" dirty="0">
-                        <a:solidFill>
-                          <a:srgbClr val="000000"/>
-                        </a:solidFill>
-                        <a:effectLst/>
-                        <a:latin typeface="Candara" panose="020E0502030303020204" pitchFamily="34" charset="0"/>
-                      </a:endParaRPr>
-                    </a:p>
-                  </a:txBody>
-                  <a:tcPr marL="6350" marR="6350" marT="6350" marB="0" anchor="b"/>
-                </a:tc>
-                <a:extLst>
-                  <a:ext uri="{0D108BD9-81ED-4DB2-BD59-A6C34878D82A}">
-                    <a16:rowId xmlns:a16="http://schemas.microsoft.com/office/drawing/2014/main" val="3929727782"/>
-                  </a:ext>
-                </a:extLst>
-              </a:tr>
-              <a:tr h="184150">
-                <a:tc vMerge="1">
-                  <a:txBody>
-                    <a:bodyPr/>
-                    <a:lstStyle/>
-                    <a:p>
-                      <a:endParaRPr lang="en-US"/>
-                    </a:p>
-                  </a:txBody>
-                  <a:tcPr/>
-                </a:tc>
-                <a:tc>
-                  <a:txBody>
-                    <a:bodyPr/>
-                    <a:lstStyle/>
-                    <a:p>
-                      <a:pPr algn="ctr" fontAlgn="b"/>
-                      <a:r>
-                        <a:rPr lang="en-US" sz="900" b="1" u="none" strike="noStrike" dirty="0">
-                          <a:solidFill>
-                            <a:srgbClr val="000000"/>
-                          </a:solidFill>
-                          <a:effectLst/>
-                          <a:latin typeface="Candara" panose="020E0502030303020204" pitchFamily="34" charset="0"/>
-                        </a:rPr>
-                        <a:t>Education </a:t>
-                      </a:r>
-                      <a:endParaRPr lang="en-US" sz="900" b="1" i="0" u="none" strike="noStrike" dirty="0">
-                        <a:solidFill>
-                          <a:srgbClr val="000000"/>
-                        </a:solidFill>
-                        <a:effectLst/>
-                        <a:latin typeface="Candara" panose="020E0502030303020204" pitchFamily="34" charset="0"/>
-                      </a:endParaRPr>
-                    </a:p>
-                  </a:txBody>
-                  <a:tcPr marL="6350" marR="6350" marT="6350" marB="0" anchor="b"/>
-                </a:tc>
-                <a:extLst>
-                  <a:ext uri="{0D108BD9-81ED-4DB2-BD59-A6C34878D82A}">
-                    <a16:rowId xmlns:a16="http://schemas.microsoft.com/office/drawing/2014/main" val="2871088700"/>
-                  </a:ext>
-                </a:extLst>
-              </a:tr>
-              <a:tr h="184150">
-                <a:tc vMerge="1">
-                  <a:txBody>
-                    <a:bodyPr/>
-                    <a:lstStyle/>
-                    <a:p>
-                      <a:endParaRPr lang="en-US"/>
-                    </a:p>
-                  </a:txBody>
-                  <a:tcPr/>
-                </a:tc>
-                <a:tc>
-                  <a:txBody>
-                    <a:bodyPr/>
-                    <a:lstStyle/>
-                    <a:p>
-                      <a:pPr algn="ctr" fontAlgn="b"/>
-                      <a:r>
-                        <a:rPr lang="en-US" sz="900" b="1" u="none" strike="noStrike" dirty="0">
-                          <a:solidFill>
-                            <a:srgbClr val="000000"/>
-                          </a:solidFill>
-                          <a:effectLst/>
-                          <a:latin typeface="Candara" panose="020E0502030303020204" pitchFamily="34" charset="0"/>
-                        </a:rPr>
-                        <a:t>Home Ownership</a:t>
-                      </a:r>
-                      <a:endParaRPr lang="en-US" sz="900" b="1" i="0" u="none" strike="noStrike" dirty="0">
-                        <a:solidFill>
-                          <a:srgbClr val="000000"/>
-                        </a:solidFill>
-                        <a:effectLst/>
-                        <a:latin typeface="Candara" panose="020E0502030303020204" pitchFamily="34" charset="0"/>
-                      </a:endParaRPr>
-                    </a:p>
-                  </a:txBody>
-                  <a:tcPr marL="6350" marR="6350" marT="6350" marB="0" anchor="b"/>
-                </a:tc>
-                <a:extLst>
-                  <a:ext uri="{0D108BD9-81ED-4DB2-BD59-A6C34878D82A}">
-                    <a16:rowId xmlns:a16="http://schemas.microsoft.com/office/drawing/2014/main" val="1261886994"/>
-                  </a:ext>
-                </a:extLst>
-              </a:tr>
-              <a:tr h="184150">
-                <a:tc vMerge="1">
-                  <a:txBody>
-                    <a:bodyPr/>
-                    <a:lstStyle/>
-                    <a:p>
-                      <a:endParaRPr lang="en-US"/>
-                    </a:p>
-                  </a:txBody>
-                  <a:tcPr/>
-                </a:tc>
-                <a:tc>
-                  <a:txBody>
-                    <a:bodyPr/>
-                    <a:lstStyle/>
-                    <a:p>
-                      <a:pPr algn="ctr" fontAlgn="b"/>
-                      <a:r>
-                        <a:rPr lang="en-US" sz="900" b="1" u="none" strike="noStrike" dirty="0">
-                          <a:solidFill>
-                            <a:srgbClr val="000000"/>
-                          </a:solidFill>
-                          <a:effectLst/>
-                          <a:latin typeface="Candara" panose="020E0502030303020204" pitchFamily="34" charset="0"/>
-                        </a:rPr>
-                        <a:t>City</a:t>
-                      </a:r>
-                      <a:endParaRPr lang="en-US" sz="900" b="1" i="0" u="none" strike="noStrike" dirty="0">
-                        <a:solidFill>
-                          <a:srgbClr val="000000"/>
-                        </a:solidFill>
-                        <a:effectLst/>
-                        <a:latin typeface="Candara" panose="020E0502030303020204" pitchFamily="34" charset="0"/>
-                      </a:endParaRPr>
-                    </a:p>
-                  </a:txBody>
-                  <a:tcPr marL="6350" marR="6350" marT="6350" marB="0" anchor="b"/>
-                </a:tc>
-                <a:extLst>
-                  <a:ext uri="{0D108BD9-81ED-4DB2-BD59-A6C34878D82A}">
-                    <a16:rowId xmlns:a16="http://schemas.microsoft.com/office/drawing/2014/main" val="2342346873"/>
-                  </a:ext>
-                </a:extLst>
-              </a:tr>
-              <a:tr h="184150">
-                <a:tc vMerge="1">
-                  <a:txBody>
-                    <a:bodyPr/>
-                    <a:lstStyle/>
-                    <a:p>
-                      <a:endParaRPr lang="en-US"/>
-                    </a:p>
-                  </a:txBody>
-                  <a:tcPr/>
-                </a:tc>
-                <a:tc>
-                  <a:txBody>
-                    <a:bodyPr/>
-                    <a:lstStyle/>
-                    <a:p>
-                      <a:pPr algn="ctr" fontAlgn="b"/>
-                      <a:r>
-                        <a:rPr lang="en-US" sz="900" b="1" u="none" strike="noStrike" dirty="0">
-                          <a:solidFill>
-                            <a:srgbClr val="000000"/>
-                          </a:solidFill>
-                          <a:effectLst/>
-                          <a:latin typeface="Candara" panose="020E0502030303020204" pitchFamily="34" charset="0"/>
-                        </a:rPr>
-                        <a:t>Flag for Risky Occupation (Fire fighter, Paramilitary </a:t>
-                      </a:r>
-                      <a:r>
-                        <a:rPr lang="en-US" sz="900" b="1" u="none" strike="noStrike" dirty="0" err="1">
-                          <a:solidFill>
-                            <a:srgbClr val="000000"/>
-                          </a:solidFill>
-                          <a:effectLst/>
-                          <a:latin typeface="Candara" panose="020E0502030303020204" pitchFamily="34" charset="0"/>
-                        </a:rPr>
-                        <a:t>etc</a:t>
-                      </a:r>
-                      <a:r>
-                        <a:rPr lang="en-US" sz="900" b="1" u="none" strike="noStrike" dirty="0">
-                          <a:solidFill>
-                            <a:srgbClr val="000000"/>
-                          </a:solidFill>
-                          <a:effectLst/>
-                          <a:latin typeface="Candara" panose="020E0502030303020204" pitchFamily="34" charset="0"/>
-                        </a:rPr>
-                        <a:t>)</a:t>
-                      </a:r>
-                      <a:endParaRPr lang="en-US" sz="900" b="1" i="0" u="none" strike="noStrike" dirty="0">
-                        <a:solidFill>
-                          <a:srgbClr val="000000"/>
-                        </a:solidFill>
-                        <a:effectLst/>
-                        <a:latin typeface="Candara" panose="020E0502030303020204" pitchFamily="34" charset="0"/>
-                      </a:endParaRPr>
-                    </a:p>
-                  </a:txBody>
-                  <a:tcPr marL="6350" marR="6350" marT="6350" marB="0" anchor="b"/>
-                </a:tc>
-                <a:extLst>
-                  <a:ext uri="{0D108BD9-81ED-4DB2-BD59-A6C34878D82A}">
-                    <a16:rowId xmlns:a16="http://schemas.microsoft.com/office/drawing/2014/main" val="159651197"/>
-                  </a:ext>
-                </a:extLst>
-              </a:tr>
-            </a:tbl>
-          </a:graphicData>
-        </a:graphic>
-      </p:graphicFrame>
-      <p:graphicFrame>
-        <p:nvGraphicFramePr>
-          <p:cNvPr id="17" name="Table 16">
-            <a:extLst>
-              <a:ext uri="{FF2B5EF4-FFF2-40B4-BE49-F238E27FC236}">
-                <a16:creationId xmlns:a16="http://schemas.microsoft.com/office/drawing/2014/main" id="{FA428DF8-39B1-DA4F-D89B-94C2161EBE01}"/>
-              </a:ext>
-            </a:extLst>
-          </p:cNvPr>
-          <p:cNvGraphicFramePr>
-            <a:graphicFrameLocks noGrp="1"/>
-          </p:cNvGraphicFramePr>
-          <p:nvPr>
-            <p:extLst>
-              <p:ext uri="{D42A27DB-BD31-4B8C-83A1-F6EECF244321}">
-                <p14:modId xmlns:p14="http://schemas.microsoft.com/office/powerpoint/2010/main" val="3442840621"/>
-              </p:ext>
-            </p:extLst>
-          </p:nvPr>
-        </p:nvGraphicFramePr>
-        <p:xfrm>
-          <a:off x="902949" y="2688298"/>
+          <a:off x="833992" y="2460741"/>
           <a:ext cx="2816089" cy="3608070"/>
         </p:xfrm>
         <a:graphic>
@@ -14495,6 +13888,1273 @@
                 <a:extLst>
                   <a:ext uri="{0D108BD9-81ED-4DB2-BD59-A6C34878D82A}">
                     <a16:rowId xmlns:a16="http://schemas.microsoft.com/office/drawing/2014/main" val="2850541835"/>
+                  </a:ext>
+                </a:extLst>
+              </a:tr>
+            </a:tbl>
+          </a:graphicData>
+        </a:graphic>
+      </p:graphicFrame>
+      <p:graphicFrame>
+        <p:nvGraphicFramePr>
+          <p:cNvPr id="11" name="Table 10">
+            <a:extLst>
+              <a:ext uri="{FF2B5EF4-FFF2-40B4-BE49-F238E27FC236}">
+                <a16:creationId xmlns:a16="http://schemas.microsoft.com/office/drawing/2014/main" id="{D2AC5927-BAD3-6677-4EEF-D550DE395AA1}"/>
+              </a:ext>
+            </a:extLst>
+          </p:cNvPr>
+          <p:cNvGraphicFramePr>
+            <a:graphicFrameLocks noGrp="1"/>
+          </p:cNvGraphicFramePr>
+          <p:nvPr>
+            <p:extLst>
+              <p:ext uri="{D42A27DB-BD31-4B8C-83A1-F6EECF244321}">
+                <p14:modId xmlns:p14="http://schemas.microsoft.com/office/powerpoint/2010/main" val="1829987489"/>
+              </p:ext>
+            </p:extLst>
+          </p:nvPr>
+        </p:nvGraphicFramePr>
+        <p:xfrm>
+          <a:off x="3725828" y="2483082"/>
+          <a:ext cx="3249886" cy="3779520"/>
+        </p:xfrm>
+        <a:graphic>
+          <a:graphicData uri="http://schemas.openxmlformats.org/drawingml/2006/table">
+            <a:tbl>
+              <a:tblPr firstRow="1" bandRow="1"/>
+              <a:tblGrid>
+                <a:gridCol w="1109905">
+                  <a:extLst>
+                    <a:ext uri="{9D8B030D-6E8A-4147-A177-3AD203B41FA5}">
+                      <a16:colId xmlns:a16="http://schemas.microsoft.com/office/drawing/2014/main" val="655509816"/>
+                    </a:ext>
+                  </a:extLst>
+                </a:gridCol>
+                <a:gridCol w="2139981">
+                  <a:extLst>
+                    <a:ext uri="{9D8B030D-6E8A-4147-A177-3AD203B41FA5}">
+                      <a16:colId xmlns:a16="http://schemas.microsoft.com/office/drawing/2014/main" val="3148263239"/>
+                    </a:ext>
+                  </a:extLst>
+                </a:gridCol>
+              </a:tblGrid>
+              <a:tr h="184150">
+                <a:tc>
+                  <a:txBody>
+                    <a:bodyPr/>
+                    <a:lstStyle/>
+                    <a:p>
+                      <a:pPr algn="ctr" rtl="0" fontAlgn="b"/>
+                      <a:r>
+                        <a:rPr lang="en-US" sz="1000" b="1" i="0" u="none" strike="noStrike" dirty="0">
+                          <a:solidFill>
+                            <a:srgbClr val="000000"/>
+                          </a:solidFill>
+                          <a:effectLst/>
+                          <a:latin typeface="Calibri" panose="020F0502020204030204" pitchFamily="34" charset="0"/>
+                        </a:rPr>
+                        <a:t>Categories</a:t>
+                      </a:r>
+                    </a:p>
+                  </a:txBody>
+                  <a:tcPr marL="6350" marR="6350" marT="6350" marB="0" anchor="b">
+                    <a:lnL>
+                      <a:noFill/>
+                    </a:lnL>
+                    <a:lnR>
+                      <a:noFill/>
+                    </a:lnR>
+                    <a:lnT w="6350" cap="flat" cmpd="sng" algn="ctr">
+                      <a:solidFill>
+                        <a:srgbClr val="000000"/>
+                      </a:solidFill>
+                      <a:prstDash val="solid"/>
+                      <a:round/>
+                      <a:headEnd type="none" w="med" len="med"/>
+                      <a:tailEnd type="none" w="med" len="med"/>
+                    </a:lnT>
+                    <a:lnB w="6350" cap="flat" cmpd="sng" algn="ctr">
+                      <a:solidFill>
+                        <a:srgbClr val="000000"/>
+                      </a:solidFill>
+                      <a:prstDash val="solid"/>
+                      <a:round/>
+                      <a:headEnd type="none" w="med" len="med"/>
+                      <a:tailEnd type="none" w="med" len="med"/>
+                    </a:lnB>
+                    <a:solidFill>
+                      <a:srgbClr val="E2F0D9"/>
+                    </a:solidFill>
+                  </a:tcPr>
+                </a:tc>
+                <a:tc>
+                  <a:txBody>
+                    <a:bodyPr/>
+                    <a:lstStyle/>
+                    <a:p>
+                      <a:pPr algn="ctr" rtl="0" fontAlgn="b"/>
+                      <a:r>
+                        <a:rPr lang="en-US" sz="1000" b="1" i="0" u="none" strike="noStrike" dirty="0">
+                          <a:solidFill>
+                            <a:srgbClr val="000000"/>
+                          </a:solidFill>
+                          <a:effectLst/>
+                          <a:latin typeface="Calibri" panose="020F0502020204030204" pitchFamily="34" charset="0"/>
+                        </a:rPr>
+                        <a:t>Data Fields</a:t>
+                      </a:r>
+                    </a:p>
+                  </a:txBody>
+                  <a:tcPr marL="6350" marR="6350" marT="6350" marB="0" anchor="b">
+                    <a:lnL>
+                      <a:noFill/>
+                    </a:lnL>
+                    <a:lnR>
+                      <a:noFill/>
+                    </a:lnR>
+                    <a:lnT w="6350" cap="flat" cmpd="sng" algn="ctr">
+                      <a:solidFill>
+                        <a:srgbClr val="000000"/>
+                      </a:solidFill>
+                      <a:prstDash val="solid"/>
+                      <a:round/>
+                      <a:headEnd type="none" w="med" len="med"/>
+                      <a:tailEnd type="none" w="med" len="med"/>
+                    </a:lnT>
+                    <a:lnB w="6350" cap="flat" cmpd="sng" algn="ctr">
+                      <a:solidFill>
+                        <a:srgbClr val="000000"/>
+                      </a:solidFill>
+                      <a:prstDash val="solid"/>
+                      <a:round/>
+                      <a:headEnd type="none" w="med" len="med"/>
+                      <a:tailEnd type="none" w="med" len="med"/>
+                    </a:lnB>
+                    <a:solidFill>
+                      <a:srgbClr val="E2F0D9"/>
+                    </a:solidFill>
+                  </a:tcPr>
+                </a:tc>
+                <a:extLst>
+                  <a:ext uri="{0D108BD9-81ED-4DB2-BD59-A6C34878D82A}">
+                    <a16:rowId xmlns:a16="http://schemas.microsoft.com/office/drawing/2014/main" val="3073294824"/>
+                  </a:ext>
+                </a:extLst>
+              </a:tr>
+              <a:tr h="184150">
+                <a:tc rowSpan="12">
+                  <a:txBody>
+                    <a:bodyPr/>
+                    <a:lstStyle/>
+                    <a:p>
+                      <a:pPr algn="ctr" rtl="0" fontAlgn="ctr"/>
+                      <a:r>
+                        <a:rPr lang="en-US" sz="1000" b="0" i="0" u="none" strike="noStrike" dirty="0">
+                          <a:solidFill>
+                            <a:srgbClr val="000000"/>
+                          </a:solidFill>
+                          <a:effectLst/>
+                          <a:latin typeface="Candara" panose="020E0502030303020204" pitchFamily="34" charset="0"/>
+                        </a:rPr>
+                        <a:t>Demographics</a:t>
+                      </a:r>
+                    </a:p>
+                  </a:txBody>
+                  <a:tcPr marL="6350" marR="6350" marT="6350" marB="0" anchor="ctr">
+                    <a:lnL>
+                      <a:noFill/>
+                    </a:lnL>
+                    <a:lnR>
+                      <a:noFill/>
+                    </a:lnR>
+                    <a:lnT w="6350" cap="flat" cmpd="sng" algn="ctr">
+                      <a:solidFill>
+                        <a:srgbClr val="000000"/>
+                      </a:solidFill>
+                      <a:prstDash val="solid"/>
+                      <a:round/>
+                      <a:headEnd type="none" w="med" len="med"/>
+                      <a:tailEnd type="none" w="med" len="med"/>
+                    </a:lnT>
+                    <a:lnB w="6350" cap="flat" cmpd="sng" algn="ctr">
+                      <a:solidFill>
+                        <a:srgbClr val="000000"/>
+                      </a:solidFill>
+                      <a:prstDash val="solid"/>
+                      <a:round/>
+                      <a:headEnd type="none" w="med" len="med"/>
+                      <a:tailEnd type="none" w="med" len="med"/>
+                    </a:lnB>
+                    <a:solidFill>
+                      <a:srgbClr val="E7E7E7"/>
+                    </a:solidFill>
+                  </a:tcPr>
+                </a:tc>
+                <a:tc>
+                  <a:txBody>
+                    <a:bodyPr/>
+                    <a:lstStyle/>
+                    <a:p>
+                      <a:pPr algn="ctr" rtl="0" fontAlgn="b"/>
+                      <a:r>
+                        <a:rPr lang="en-US" sz="900" b="1" i="0" u="none" strike="noStrike" dirty="0">
+                          <a:solidFill>
+                            <a:srgbClr val="000000"/>
+                          </a:solidFill>
+                          <a:effectLst/>
+                          <a:latin typeface="Candara" panose="020E0502030303020204" pitchFamily="34" charset="0"/>
+                        </a:rPr>
+                        <a:t>Income</a:t>
+                      </a:r>
+                    </a:p>
+                  </a:txBody>
+                  <a:tcPr marL="6350" marR="6350" marT="6350" marB="0" anchor="b">
+                    <a:lnL>
+                      <a:noFill/>
+                    </a:lnL>
+                    <a:lnR>
+                      <a:noFill/>
+                    </a:lnR>
+                    <a:lnT w="6350" cap="flat" cmpd="sng" algn="ctr">
+                      <a:solidFill>
+                        <a:srgbClr val="000000"/>
+                      </a:solidFill>
+                      <a:prstDash val="solid"/>
+                      <a:round/>
+                      <a:headEnd type="none" w="med" len="med"/>
+                      <a:tailEnd type="none" w="med" len="med"/>
+                    </a:lnT>
+                    <a:lnB>
+                      <a:noFill/>
+                    </a:lnB>
+                    <a:solidFill>
+                      <a:srgbClr val="E7E7E7"/>
+                    </a:solidFill>
+                  </a:tcPr>
+                </a:tc>
+                <a:extLst>
+                  <a:ext uri="{0D108BD9-81ED-4DB2-BD59-A6C34878D82A}">
+                    <a16:rowId xmlns:a16="http://schemas.microsoft.com/office/drawing/2014/main" val="828624130"/>
+                  </a:ext>
+                </a:extLst>
+              </a:tr>
+              <a:tr h="184150">
+                <a:tc vMerge="1">
+                  <a:txBody>
+                    <a:bodyPr/>
+                    <a:lstStyle/>
+                    <a:p>
+                      <a:endParaRPr lang="en-US"/>
+                    </a:p>
+                  </a:txBody>
+                  <a:tcPr/>
+                </a:tc>
+                <a:tc>
+                  <a:txBody>
+                    <a:bodyPr/>
+                    <a:lstStyle/>
+                    <a:p>
+                      <a:pPr algn="ctr" rtl="0" fontAlgn="b"/>
+                      <a:r>
+                        <a:rPr lang="en-US" sz="900" b="1" i="0" u="none" strike="noStrike">
+                          <a:solidFill>
+                            <a:srgbClr val="000000"/>
+                          </a:solidFill>
+                          <a:effectLst/>
+                          <a:latin typeface="Candara" panose="020E0502030303020204" pitchFamily="34" charset="0"/>
+                        </a:rPr>
+                        <a:t>Occupation</a:t>
+                      </a:r>
+                    </a:p>
+                  </a:txBody>
+                  <a:tcPr marL="6350" marR="6350" marT="6350" marB="0" anchor="b">
+                    <a:lnL>
+                      <a:noFill/>
+                    </a:lnL>
+                    <a:lnR>
+                      <a:noFill/>
+                    </a:lnR>
+                    <a:lnT>
+                      <a:noFill/>
+                    </a:lnT>
+                    <a:lnB>
+                      <a:noFill/>
+                    </a:lnB>
+                    <a:noFill/>
+                  </a:tcPr>
+                </a:tc>
+                <a:extLst>
+                  <a:ext uri="{0D108BD9-81ED-4DB2-BD59-A6C34878D82A}">
+                    <a16:rowId xmlns:a16="http://schemas.microsoft.com/office/drawing/2014/main" val="624191682"/>
+                  </a:ext>
+                </a:extLst>
+              </a:tr>
+              <a:tr h="184150">
+                <a:tc vMerge="1">
+                  <a:txBody>
+                    <a:bodyPr/>
+                    <a:lstStyle/>
+                    <a:p>
+                      <a:endParaRPr lang="en-US"/>
+                    </a:p>
+                  </a:txBody>
+                  <a:tcPr/>
+                </a:tc>
+                <a:tc>
+                  <a:txBody>
+                    <a:bodyPr/>
+                    <a:lstStyle/>
+                    <a:p>
+                      <a:pPr algn="ctr" rtl="0" fontAlgn="b"/>
+                      <a:r>
+                        <a:rPr lang="en-US" sz="900" b="1" i="0" u="none" strike="noStrike" dirty="0">
+                          <a:solidFill>
+                            <a:srgbClr val="000000"/>
+                          </a:solidFill>
+                          <a:effectLst/>
+                          <a:latin typeface="Candara" panose="020E0502030303020204" pitchFamily="34" charset="0"/>
+                        </a:rPr>
+                        <a:t>Age</a:t>
+                      </a:r>
+                    </a:p>
+                  </a:txBody>
+                  <a:tcPr marL="6350" marR="6350" marT="6350" marB="0" anchor="b">
+                    <a:lnL>
+                      <a:noFill/>
+                    </a:lnL>
+                    <a:lnR>
+                      <a:noFill/>
+                    </a:lnR>
+                    <a:lnT>
+                      <a:noFill/>
+                    </a:lnT>
+                    <a:lnB>
+                      <a:noFill/>
+                    </a:lnB>
+                    <a:solidFill>
+                      <a:srgbClr val="E7E7E7"/>
+                    </a:solidFill>
+                  </a:tcPr>
+                </a:tc>
+                <a:extLst>
+                  <a:ext uri="{0D108BD9-81ED-4DB2-BD59-A6C34878D82A}">
+                    <a16:rowId xmlns:a16="http://schemas.microsoft.com/office/drawing/2014/main" val="4280984245"/>
+                  </a:ext>
+                </a:extLst>
+              </a:tr>
+              <a:tr h="184150">
+                <a:tc vMerge="1">
+                  <a:txBody>
+                    <a:bodyPr/>
+                    <a:lstStyle/>
+                    <a:p>
+                      <a:endParaRPr lang="en-US"/>
+                    </a:p>
+                  </a:txBody>
+                  <a:tcPr/>
+                </a:tc>
+                <a:tc>
+                  <a:txBody>
+                    <a:bodyPr/>
+                    <a:lstStyle/>
+                    <a:p>
+                      <a:pPr algn="ctr" rtl="0" fontAlgn="b"/>
+                      <a:r>
+                        <a:rPr lang="en-US" sz="900" b="1" i="0" u="none" strike="noStrike">
+                          <a:solidFill>
+                            <a:srgbClr val="000000"/>
+                          </a:solidFill>
+                          <a:effectLst/>
+                          <a:latin typeface="Candara" panose="020E0502030303020204" pitchFamily="34" charset="0"/>
+                        </a:rPr>
+                        <a:t>Marital Status</a:t>
+                      </a:r>
+                    </a:p>
+                  </a:txBody>
+                  <a:tcPr marL="6350" marR="6350" marT="6350" marB="0" anchor="b">
+                    <a:lnL>
+                      <a:noFill/>
+                    </a:lnL>
+                    <a:lnR>
+                      <a:noFill/>
+                    </a:lnR>
+                    <a:lnT>
+                      <a:noFill/>
+                    </a:lnT>
+                    <a:lnB>
+                      <a:noFill/>
+                    </a:lnB>
+                    <a:noFill/>
+                  </a:tcPr>
+                </a:tc>
+                <a:extLst>
+                  <a:ext uri="{0D108BD9-81ED-4DB2-BD59-A6C34878D82A}">
+                    <a16:rowId xmlns:a16="http://schemas.microsoft.com/office/drawing/2014/main" val="1676980249"/>
+                  </a:ext>
+                </a:extLst>
+              </a:tr>
+              <a:tr h="184150">
+                <a:tc vMerge="1">
+                  <a:txBody>
+                    <a:bodyPr/>
+                    <a:lstStyle/>
+                    <a:p>
+                      <a:endParaRPr lang="en-US"/>
+                    </a:p>
+                  </a:txBody>
+                  <a:tcPr/>
+                </a:tc>
+                <a:tc>
+                  <a:txBody>
+                    <a:bodyPr/>
+                    <a:lstStyle/>
+                    <a:p>
+                      <a:pPr algn="ctr" rtl="0" fontAlgn="b"/>
+                      <a:r>
+                        <a:rPr lang="en-US" sz="900" b="1" i="0" u="none" strike="noStrike">
+                          <a:solidFill>
+                            <a:srgbClr val="000000"/>
+                          </a:solidFill>
+                          <a:effectLst/>
+                          <a:latin typeface="Candara" panose="020E0502030303020204" pitchFamily="34" charset="0"/>
+                        </a:rPr>
+                        <a:t>Pin-code</a:t>
+                      </a:r>
+                    </a:p>
+                  </a:txBody>
+                  <a:tcPr marL="6350" marR="6350" marT="6350" marB="0" anchor="b">
+                    <a:lnL>
+                      <a:noFill/>
+                    </a:lnL>
+                    <a:lnR>
+                      <a:noFill/>
+                    </a:lnR>
+                    <a:lnT>
+                      <a:noFill/>
+                    </a:lnT>
+                    <a:lnB>
+                      <a:noFill/>
+                    </a:lnB>
+                    <a:solidFill>
+                      <a:srgbClr val="E7E7E7"/>
+                    </a:solidFill>
+                  </a:tcPr>
+                </a:tc>
+                <a:extLst>
+                  <a:ext uri="{0D108BD9-81ED-4DB2-BD59-A6C34878D82A}">
+                    <a16:rowId xmlns:a16="http://schemas.microsoft.com/office/drawing/2014/main" val="1973903512"/>
+                  </a:ext>
+                </a:extLst>
+              </a:tr>
+              <a:tr h="184150">
+                <a:tc vMerge="1">
+                  <a:txBody>
+                    <a:bodyPr/>
+                    <a:lstStyle/>
+                    <a:p>
+                      <a:endParaRPr lang="en-US"/>
+                    </a:p>
+                  </a:txBody>
+                  <a:tcPr/>
+                </a:tc>
+                <a:tc>
+                  <a:txBody>
+                    <a:bodyPr/>
+                    <a:lstStyle/>
+                    <a:p>
+                      <a:pPr algn="ctr" rtl="0" fontAlgn="b"/>
+                      <a:r>
+                        <a:rPr lang="en-US" sz="900" b="1" i="0" u="none" strike="noStrike">
+                          <a:solidFill>
+                            <a:srgbClr val="000000"/>
+                          </a:solidFill>
+                          <a:effectLst/>
+                          <a:latin typeface="Candara" panose="020E0502030303020204" pitchFamily="34" charset="0"/>
+                        </a:rPr>
+                        <a:t>State</a:t>
+                      </a:r>
+                    </a:p>
+                  </a:txBody>
+                  <a:tcPr marL="6350" marR="6350" marT="6350" marB="0" anchor="b">
+                    <a:lnL>
+                      <a:noFill/>
+                    </a:lnL>
+                    <a:lnR>
+                      <a:noFill/>
+                    </a:lnR>
+                    <a:lnT>
+                      <a:noFill/>
+                    </a:lnT>
+                    <a:lnB>
+                      <a:noFill/>
+                    </a:lnB>
+                    <a:noFill/>
+                  </a:tcPr>
+                </a:tc>
+                <a:extLst>
+                  <a:ext uri="{0D108BD9-81ED-4DB2-BD59-A6C34878D82A}">
+                    <a16:rowId xmlns:a16="http://schemas.microsoft.com/office/drawing/2014/main" val="3590574879"/>
+                  </a:ext>
+                </a:extLst>
+              </a:tr>
+              <a:tr h="184150">
+                <a:tc vMerge="1">
+                  <a:txBody>
+                    <a:bodyPr/>
+                    <a:lstStyle/>
+                    <a:p>
+                      <a:endParaRPr lang="en-US"/>
+                    </a:p>
+                  </a:txBody>
+                  <a:tcPr/>
+                </a:tc>
+                <a:tc>
+                  <a:txBody>
+                    <a:bodyPr/>
+                    <a:lstStyle/>
+                    <a:p>
+                      <a:pPr algn="ctr" rtl="0" fontAlgn="b"/>
+                      <a:r>
+                        <a:rPr lang="en-US" sz="900" b="1" i="0" u="none" strike="noStrike" dirty="0">
+                          <a:solidFill>
+                            <a:srgbClr val="000000"/>
+                          </a:solidFill>
+                          <a:effectLst/>
+                          <a:latin typeface="Candara" panose="020E0502030303020204" pitchFamily="34" charset="0"/>
+                        </a:rPr>
+                        <a:t>Zone</a:t>
+                      </a:r>
+                    </a:p>
+                  </a:txBody>
+                  <a:tcPr marL="6350" marR="6350" marT="6350" marB="0" anchor="b">
+                    <a:lnL>
+                      <a:noFill/>
+                    </a:lnL>
+                    <a:lnR>
+                      <a:noFill/>
+                    </a:lnR>
+                    <a:lnT>
+                      <a:noFill/>
+                    </a:lnT>
+                    <a:lnB>
+                      <a:noFill/>
+                    </a:lnB>
+                    <a:solidFill>
+                      <a:srgbClr val="E7E7E7"/>
+                    </a:solidFill>
+                  </a:tcPr>
+                </a:tc>
+                <a:extLst>
+                  <a:ext uri="{0D108BD9-81ED-4DB2-BD59-A6C34878D82A}">
+                    <a16:rowId xmlns:a16="http://schemas.microsoft.com/office/drawing/2014/main" val="536074802"/>
+                  </a:ext>
+                </a:extLst>
+              </a:tr>
+              <a:tr h="184150">
+                <a:tc vMerge="1">
+                  <a:txBody>
+                    <a:bodyPr/>
+                    <a:lstStyle/>
+                    <a:p>
+                      <a:endParaRPr lang="en-US"/>
+                    </a:p>
+                  </a:txBody>
+                  <a:tcPr/>
+                </a:tc>
+                <a:tc>
+                  <a:txBody>
+                    <a:bodyPr/>
+                    <a:lstStyle/>
+                    <a:p>
+                      <a:pPr algn="ctr" rtl="0" fontAlgn="b"/>
+                      <a:r>
+                        <a:rPr lang="en-US" sz="900" b="1" i="0" u="none" strike="noStrike">
+                          <a:solidFill>
+                            <a:srgbClr val="000000"/>
+                          </a:solidFill>
+                          <a:effectLst/>
+                          <a:latin typeface="Candara" panose="020E0502030303020204" pitchFamily="34" charset="0"/>
+                        </a:rPr>
+                        <a:t>Nominee Flag</a:t>
+                      </a:r>
+                    </a:p>
+                  </a:txBody>
+                  <a:tcPr marL="6350" marR="6350" marT="6350" marB="0" anchor="b">
+                    <a:lnL>
+                      <a:noFill/>
+                    </a:lnL>
+                    <a:lnR>
+                      <a:noFill/>
+                    </a:lnR>
+                    <a:lnT>
+                      <a:noFill/>
+                    </a:lnT>
+                    <a:lnB>
+                      <a:noFill/>
+                    </a:lnB>
+                    <a:noFill/>
+                  </a:tcPr>
+                </a:tc>
+                <a:extLst>
+                  <a:ext uri="{0D108BD9-81ED-4DB2-BD59-A6C34878D82A}">
+                    <a16:rowId xmlns:a16="http://schemas.microsoft.com/office/drawing/2014/main" val="1913776065"/>
+                  </a:ext>
+                </a:extLst>
+              </a:tr>
+              <a:tr h="184150">
+                <a:tc vMerge="1">
+                  <a:txBody>
+                    <a:bodyPr/>
+                    <a:lstStyle/>
+                    <a:p>
+                      <a:endParaRPr lang="en-US"/>
+                    </a:p>
+                  </a:txBody>
+                  <a:tcPr/>
+                </a:tc>
+                <a:tc>
+                  <a:txBody>
+                    <a:bodyPr/>
+                    <a:lstStyle/>
+                    <a:p>
+                      <a:pPr algn="ctr" rtl="0" fontAlgn="b"/>
+                      <a:r>
+                        <a:rPr lang="en-US" sz="900" b="1" i="0" u="none" strike="noStrike">
+                          <a:solidFill>
+                            <a:srgbClr val="000000"/>
+                          </a:solidFill>
+                          <a:effectLst/>
+                          <a:latin typeface="Candara" panose="020E0502030303020204" pitchFamily="34" charset="0"/>
+                        </a:rPr>
+                        <a:t>Education </a:t>
+                      </a:r>
+                    </a:p>
+                  </a:txBody>
+                  <a:tcPr marL="6350" marR="6350" marT="6350" marB="0" anchor="b">
+                    <a:lnL>
+                      <a:noFill/>
+                    </a:lnL>
+                    <a:lnR>
+                      <a:noFill/>
+                    </a:lnR>
+                    <a:lnT>
+                      <a:noFill/>
+                    </a:lnT>
+                    <a:lnB>
+                      <a:noFill/>
+                    </a:lnB>
+                    <a:solidFill>
+                      <a:srgbClr val="E7E7E7"/>
+                    </a:solidFill>
+                  </a:tcPr>
+                </a:tc>
+                <a:extLst>
+                  <a:ext uri="{0D108BD9-81ED-4DB2-BD59-A6C34878D82A}">
+                    <a16:rowId xmlns:a16="http://schemas.microsoft.com/office/drawing/2014/main" val="948071287"/>
+                  </a:ext>
+                </a:extLst>
+              </a:tr>
+              <a:tr h="184150">
+                <a:tc vMerge="1">
+                  <a:txBody>
+                    <a:bodyPr/>
+                    <a:lstStyle/>
+                    <a:p>
+                      <a:endParaRPr lang="en-US"/>
+                    </a:p>
+                  </a:txBody>
+                  <a:tcPr/>
+                </a:tc>
+                <a:tc>
+                  <a:txBody>
+                    <a:bodyPr/>
+                    <a:lstStyle/>
+                    <a:p>
+                      <a:pPr algn="ctr" rtl="0" fontAlgn="b"/>
+                      <a:r>
+                        <a:rPr lang="en-US" sz="900" b="1" i="0" u="none" strike="noStrike" dirty="0">
+                          <a:solidFill>
+                            <a:srgbClr val="000000"/>
+                          </a:solidFill>
+                          <a:effectLst/>
+                          <a:latin typeface="Candara" panose="020E0502030303020204" pitchFamily="34" charset="0"/>
+                        </a:rPr>
+                        <a:t>Home Ownership</a:t>
+                      </a:r>
+                    </a:p>
+                  </a:txBody>
+                  <a:tcPr marL="6350" marR="6350" marT="6350" marB="0" anchor="b">
+                    <a:lnL>
+                      <a:noFill/>
+                    </a:lnL>
+                    <a:lnR>
+                      <a:noFill/>
+                    </a:lnR>
+                    <a:lnT>
+                      <a:noFill/>
+                    </a:lnT>
+                    <a:lnB>
+                      <a:noFill/>
+                    </a:lnB>
+                    <a:noFill/>
+                  </a:tcPr>
+                </a:tc>
+                <a:extLst>
+                  <a:ext uri="{0D108BD9-81ED-4DB2-BD59-A6C34878D82A}">
+                    <a16:rowId xmlns:a16="http://schemas.microsoft.com/office/drawing/2014/main" val="1901538853"/>
+                  </a:ext>
+                </a:extLst>
+              </a:tr>
+              <a:tr h="184150">
+                <a:tc vMerge="1">
+                  <a:txBody>
+                    <a:bodyPr/>
+                    <a:lstStyle/>
+                    <a:p>
+                      <a:endParaRPr lang="en-US"/>
+                    </a:p>
+                  </a:txBody>
+                  <a:tcPr/>
+                </a:tc>
+                <a:tc>
+                  <a:txBody>
+                    <a:bodyPr/>
+                    <a:lstStyle/>
+                    <a:p>
+                      <a:pPr algn="ctr" rtl="0" fontAlgn="b"/>
+                      <a:r>
+                        <a:rPr lang="en-US" sz="900" b="1" i="0" u="none" strike="noStrike">
+                          <a:solidFill>
+                            <a:srgbClr val="000000"/>
+                          </a:solidFill>
+                          <a:effectLst/>
+                          <a:latin typeface="Candara" panose="020E0502030303020204" pitchFamily="34" charset="0"/>
+                        </a:rPr>
+                        <a:t>City</a:t>
+                      </a:r>
+                    </a:p>
+                  </a:txBody>
+                  <a:tcPr marL="6350" marR="6350" marT="6350" marB="0" anchor="b">
+                    <a:lnL>
+                      <a:noFill/>
+                    </a:lnL>
+                    <a:lnR>
+                      <a:noFill/>
+                    </a:lnR>
+                    <a:lnT>
+                      <a:noFill/>
+                    </a:lnT>
+                    <a:lnB>
+                      <a:noFill/>
+                    </a:lnB>
+                    <a:solidFill>
+                      <a:srgbClr val="E7E7E7"/>
+                    </a:solidFill>
+                  </a:tcPr>
+                </a:tc>
+                <a:extLst>
+                  <a:ext uri="{0D108BD9-81ED-4DB2-BD59-A6C34878D82A}">
+                    <a16:rowId xmlns:a16="http://schemas.microsoft.com/office/drawing/2014/main" val="2875524066"/>
+                  </a:ext>
+                </a:extLst>
+              </a:tr>
+              <a:tr h="184150">
+                <a:tc vMerge="1">
+                  <a:txBody>
+                    <a:bodyPr/>
+                    <a:lstStyle/>
+                    <a:p>
+                      <a:endParaRPr lang="en-US"/>
+                    </a:p>
+                  </a:txBody>
+                  <a:tcPr/>
+                </a:tc>
+                <a:tc>
+                  <a:txBody>
+                    <a:bodyPr/>
+                    <a:lstStyle/>
+                    <a:p>
+                      <a:pPr algn="ctr" rtl="0" fontAlgn="b"/>
+                      <a:r>
+                        <a:rPr lang="en-US" sz="900" b="1" i="0" u="none" strike="noStrike">
+                          <a:solidFill>
+                            <a:srgbClr val="000000"/>
+                          </a:solidFill>
+                          <a:effectLst/>
+                          <a:latin typeface="Candara" panose="020E0502030303020204" pitchFamily="34" charset="0"/>
+                        </a:rPr>
+                        <a:t>Flag for Risky Occupation (Fire fighter, Paramilitary etc)</a:t>
+                      </a:r>
+                    </a:p>
+                  </a:txBody>
+                  <a:tcPr marL="6350" marR="6350" marT="6350" marB="0" anchor="b">
+                    <a:lnL>
+                      <a:noFill/>
+                    </a:lnL>
+                    <a:lnR>
+                      <a:noFill/>
+                    </a:lnR>
+                    <a:lnT>
+                      <a:noFill/>
+                    </a:lnT>
+                    <a:lnB w="6350" cap="flat" cmpd="sng" algn="ctr">
+                      <a:solidFill>
+                        <a:srgbClr val="000000"/>
+                      </a:solidFill>
+                      <a:prstDash val="solid"/>
+                      <a:round/>
+                      <a:headEnd type="none" w="med" len="med"/>
+                      <a:tailEnd type="none" w="med" len="med"/>
+                    </a:lnB>
+                    <a:noFill/>
+                  </a:tcPr>
+                </a:tc>
+                <a:extLst>
+                  <a:ext uri="{0D108BD9-81ED-4DB2-BD59-A6C34878D82A}">
+                    <a16:rowId xmlns:a16="http://schemas.microsoft.com/office/drawing/2014/main" val="4005082545"/>
+                  </a:ext>
+                </a:extLst>
+              </a:tr>
+              <a:tr h="184150">
+                <a:tc rowSpan="7">
+                  <a:txBody>
+                    <a:bodyPr/>
+                    <a:lstStyle/>
+                    <a:p>
+                      <a:pPr algn="ctr" rtl="0" fontAlgn="ctr"/>
+                      <a:r>
+                        <a:rPr lang="en-US" sz="1000" b="0" i="0" u="none" strike="noStrike">
+                          <a:solidFill>
+                            <a:srgbClr val="000000"/>
+                          </a:solidFill>
+                          <a:effectLst/>
+                          <a:latin typeface="Candara" panose="020E0502030303020204" pitchFamily="34" charset="0"/>
+                        </a:rPr>
+                        <a:t>Bereau variables</a:t>
+                      </a:r>
+                    </a:p>
+                  </a:txBody>
+                  <a:tcPr marL="6350" marR="6350" marT="6350" marB="0" anchor="ctr">
+                    <a:lnL>
+                      <a:noFill/>
+                    </a:lnL>
+                    <a:lnR>
+                      <a:noFill/>
+                    </a:lnR>
+                    <a:lnT w="6350" cap="flat" cmpd="sng" algn="ctr">
+                      <a:solidFill>
+                        <a:srgbClr val="000000"/>
+                      </a:solidFill>
+                      <a:prstDash val="solid"/>
+                      <a:round/>
+                      <a:headEnd type="none" w="med" len="med"/>
+                      <a:tailEnd type="none" w="med" len="med"/>
+                    </a:lnT>
+                    <a:lnB w="6350" cap="flat" cmpd="sng" algn="ctr">
+                      <a:solidFill>
+                        <a:srgbClr val="000000"/>
+                      </a:solidFill>
+                      <a:prstDash val="solid"/>
+                      <a:round/>
+                      <a:headEnd type="none" w="med" len="med"/>
+                      <a:tailEnd type="none" w="med" len="med"/>
+                    </a:lnB>
+                    <a:solidFill>
+                      <a:srgbClr val="FFFFFF"/>
+                    </a:solidFill>
+                  </a:tcPr>
+                </a:tc>
+                <a:tc>
+                  <a:txBody>
+                    <a:bodyPr/>
+                    <a:lstStyle/>
+                    <a:p>
+                      <a:pPr algn="ctr" rtl="0" fontAlgn="b"/>
+                      <a:r>
+                        <a:rPr lang="en-US" sz="900" b="1" i="0" u="none" strike="noStrike" dirty="0" err="1">
+                          <a:solidFill>
+                            <a:srgbClr val="000000"/>
+                          </a:solidFill>
+                          <a:effectLst/>
+                          <a:latin typeface="Candara" panose="020E0502030303020204" pitchFamily="34" charset="0"/>
+                        </a:rPr>
+                        <a:t>Bereau</a:t>
+                      </a:r>
+                      <a:r>
+                        <a:rPr lang="en-US" sz="900" b="1" i="0" u="none" strike="noStrike" dirty="0">
+                          <a:solidFill>
+                            <a:srgbClr val="000000"/>
+                          </a:solidFill>
+                          <a:effectLst/>
+                          <a:latin typeface="Candara" panose="020E0502030303020204" pitchFamily="34" charset="0"/>
+                        </a:rPr>
+                        <a:t> Score</a:t>
+                      </a:r>
+                    </a:p>
+                  </a:txBody>
+                  <a:tcPr marL="6350" marR="6350" marT="6350" marB="0" anchor="b">
+                    <a:lnL>
+                      <a:noFill/>
+                    </a:lnL>
+                    <a:lnR>
+                      <a:noFill/>
+                    </a:lnR>
+                    <a:lnT w="6350" cap="flat" cmpd="sng" algn="ctr">
+                      <a:solidFill>
+                        <a:srgbClr val="000000"/>
+                      </a:solidFill>
+                      <a:prstDash val="solid"/>
+                      <a:round/>
+                      <a:headEnd type="none" w="med" len="med"/>
+                      <a:tailEnd type="none" w="med" len="med"/>
+                    </a:lnT>
+                    <a:lnB>
+                      <a:noFill/>
+                    </a:lnB>
+                    <a:solidFill>
+                      <a:srgbClr val="E7E7E7"/>
+                    </a:solidFill>
+                  </a:tcPr>
+                </a:tc>
+                <a:extLst>
+                  <a:ext uri="{0D108BD9-81ED-4DB2-BD59-A6C34878D82A}">
+                    <a16:rowId xmlns:a16="http://schemas.microsoft.com/office/drawing/2014/main" val="1746070521"/>
+                  </a:ext>
+                </a:extLst>
+              </a:tr>
+              <a:tr h="184150">
+                <a:tc vMerge="1">
+                  <a:txBody>
+                    <a:bodyPr/>
+                    <a:lstStyle/>
+                    <a:p>
+                      <a:endParaRPr lang="en-US"/>
+                    </a:p>
+                  </a:txBody>
+                  <a:tcPr/>
+                </a:tc>
+                <a:tc>
+                  <a:txBody>
+                    <a:bodyPr/>
+                    <a:lstStyle/>
+                    <a:p>
+                      <a:pPr algn="ctr" rtl="0" fontAlgn="b"/>
+                      <a:r>
+                        <a:rPr lang="en-US" sz="900" b="1" i="0" u="none" strike="noStrike">
+                          <a:solidFill>
+                            <a:srgbClr val="000000"/>
+                          </a:solidFill>
+                          <a:effectLst/>
+                          <a:latin typeface="Candara" panose="020E0502030303020204" pitchFamily="34" charset="0"/>
+                        </a:rPr>
+                        <a:t>No of active Loans</a:t>
+                      </a:r>
+                    </a:p>
+                  </a:txBody>
+                  <a:tcPr marL="6350" marR="6350" marT="6350" marB="0" anchor="b">
+                    <a:lnL>
+                      <a:noFill/>
+                    </a:lnL>
+                    <a:lnR>
+                      <a:noFill/>
+                    </a:lnR>
+                    <a:lnT>
+                      <a:noFill/>
+                    </a:lnT>
+                    <a:lnB>
+                      <a:noFill/>
+                    </a:lnB>
+                    <a:noFill/>
+                  </a:tcPr>
+                </a:tc>
+                <a:extLst>
+                  <a:ext uri="{0D108BD9-81ED-4DB2-BD59-A6C34878D82A}">
+                    <a16:rowId xmlns:a16="http://schemas.microsoft.com/office/drawing/2014/main" val="1716380487"/>
+                  </a:ext>
+                </a:extLst>
+              </a:tr>
+              <a:tr h="184150">
+                <a:tc vMerge="1">
+                  <a:txBody>
+                    <a:bodyPr/>
+                    <a:lstStyle/>
+                    <a:p>
+                      <a:endParaRPr lang="en-US"/>
+                    </a:p>
+                  </a:txBody>
+                  <a:tcPr/>
+                </a:tc>
+                <a:tc>
+                  <a:txBody>
+                    <a:bodyPr/>
+                    <a:lstStyle/>
+                    <a:p>
+                      <a:pPr algn="ctr" rtl="0" fontAlgn="b"/>
+                      <a:r>
+                        <a:rPr lang="en-US" sz="900" b="1" i="0" u="none" strike="noStrike" dirty="0">
+                          <a:solidFill>
+                            <a:srgbClr val="000000"/>
+                          </a:solidFill>
+                          <a:effectLst/>
+                          <a:latin typeface="Candara" panose="020E0502030303020204" pitchFamily="34" charset="0"/>
+                        </a:rPr>
+                        <a:t>Credit vintage</a:t>
+                      </a:r>
+                    </a:p>
+                  </a:txBody>
+                  <a:tcPr marL="6350" marR="6350" marT="6350" marB="0" anchor="b">
+                    <a:lnL>
+                      <a:noFill/>
+                    </a:lnL>
+                    <a:lnR>
+                      <a:noFill/>
+                    </a:lnR>
+                    <a:lnT>
+                      <a:noFill/>
+                    </a:lnT>
+                    <a:lnB>
+                      <a:noFill/>
+                    </a:lnB>
+                    <a:solidFill>
+                      <a:srgbClr val="E7E7E7"/>
+                    </a:solidFill>
+                  </a:tcPr>
+                </a:tc>
+                <a:extLst>
+                  <a:ext uri="{0D108BD9-81ED-4DB2-BD59-A6C34878D82A}">
+                    <a16:rowId xmlns:a16="http://schemas.microsoft.com/office/drawing/2014/main" val="3875115876"/>
+                  </a:ext>
+                </a:extLst>
+              </a:tr>
+              <a:tr h="184150">
+                <a:tc vMerge="1">
+                  <a:txBody>
+                    <a:bodyPr/>
+                    <a:lstStyle/>
+                    <a:p>
+                      <a:endParaRPr lang="en-US"/>
+                    </a:p>
+                  </a:txBody>
+                  <a:tcPr/>
+                </a:tc>
+                <a:tc>
+                  <a:txBody>
+                    <a:bodyPr/>
+                    <a:lstStyle/>
+                    <a:p>
+                      <a:pPr algn="ctr" rtl="0" fontAlgn="b"/>
+                      <a:r>
+                        <a:rPr lang="en-US" sz="900" b="1" i="0" u="none" strike="noStrike" dirty="0">
+                          <a:solidFill>
+                            <a:srgbClr val="000000"/>
+                          </a:solidFill>
+                          <a:effectLst/>
+                          <a:latin typeface="Candara" panose="020E0502030303020204" pitchFamily="34" charset="0"/>
+                        </a:rPr>
+                        <a:t>DPD's</a:t>
+                      </a:r>
+                    </a:p>
+                  </a:txBody>
+                  <a:tcPr marL="6350" marR="6350" marT="6350" marB="0" anchor="b">
+                    <a:lnL>
+                      <a:noFill/>
+                    </a:lnL>
+                    <a:lnR>
+                      <a:noFill/>
+                    </a:lnR>
+                    <a:lnT>
+                      <a:noFill/>
+                    </a:lnT>
+                    <a:lnB>
+                      <a:noFill/>
+                    </a:lnB>
+                    <a:noFill/>
+                  </a:tcPr>
+                </a:tc>
+                <a:extLst>
+                  <a:ext uri="{0D108BD9-81ED-4DB2-BD59-A6C34878D82A}">
+                    <a16:rowId xmlns:a16="http://schemas.microsoft.com/office/drawing/2014/main" val="2543770388"/>
+                  </a:ext>
+                </a:extLst>
+              </a:tr>
+              <a:tr h="184150">
+                <a:tc vMerge="1">
+                  <a:txBody>
+                    <a:bodyPr/>
+                    <a:lstStyle/>
+                    <a:p>
+                      <a:endParaRPr lang="en-US"/>
+                    </a:p>
+                  </a:txBody>
+                  <a:tcPr/>
+                </a:tc>
+                <a:tc>
+                  <a:txBody>
+                    <a:bodyPr/>
+                    <a:lstStyle/>
+                    <a:p>
+                      <a:pPr algn="ctr" rtl="0" fontAlgn="b"/>
+                      <a:r>
+                        <a:rPr lang="en-US" sz="900" b="1" i="0" u="none" strike="noStrike" dirty="0">
+                          <a:solidFill>
+                            <a:srgbClr val="000000"/>
+                          </a:solidFill>
+                          <a:effectLst/>
+                          <a:latin typeface="Candara" panose="020E0502030303020204" pitchFamily="34" charset="0"/>
+                        </a:rPr>
+                        <a:t>Secured/Unsecured loans</a:t>
+                      </a:r>
+                    </a:p>
+                  </a:txBody>
+                  <a:tcPr marL="6350" marR="6350" marT="6350" marB="0" anchor="b">
+                    <a:lnL>
+                      <a:noFill/>
+                    </a:lnL>
+                    <a:lnR>
+                      <a:noFill/>
+                    </a:lnR>
+                    <a:lnT>
+                      <a:noFill/>
+                    </a:lnT>
+                    <a:lnB>
+                      <a:noFill/>
+                    </a:lnB>
+                    <a:solidFill>
+                      <a:srgbClr val="E7E7E7"/>
+                    </a:solidFill>
+                  </a:tcPr>
+                </a:tc>
+                <a:extLst>
+                  <a:ext uri="{0D108BD9-81ED-4DB2-BD59-A6C34878D82A}">
+                    <a16:rowId xmlns:a16="http://schemas.microsoft.com/office/drawing/2014/main" val="2908806374"/>
+                  </a:ext>
+                </a:extLst>
+              </a:tr>
+              <a:tr h="184150">
+                <a:tc vMerge="1">
+                  <a:txBody>
+                    <a:bodyPr/>
+                    <a:lstStyle/>
+                    <a:p>
+                      <a:endParaRPr lang="en-US"/>
+                    </a:p>
+                  </a:txBody>
+                  <a:tcPr/>
+                </a:tc>
+                <a:tc>
+                  <a:txBody>
+                    <a:bodyPr/>
+                    <a:lstStyle/>
+                    <a:p>
+                      <a:pPr algn="ctr" rtl="0" fontAlgn="b"/>
+                      <a:r>
+                        <a:rPr lang="en-US" sz="900" b="1" i="0" u="none" strike="noStrike" dirty="0">
+                          <a:solidFill>
+                            <a:srgbClr val="000000"/>
+                          </a:solidFill>
+                          <a:effectLst/>
+                          <a:latin typeface="Candara" panose="020E0502030303020204" pitchFamily="34" charset="0"/>
+                        </a:rPr>
+                        <a:t>No of Enquiries</a:t>
+                      </a:r>
+                    </a:p>
+                  </a:txBody>
+                  <a:tcPr marL="6350" marR="6350" marT="6350" marB="0" anchor="b">
+                    <a:lnL>
+                      <a:noFill/>
+                    </a:lnL>
+                    <a:lnR>
+                      <a:noFill/>
+                    </a:lnR>
+                    <a:lnT>
+                      <a:noFill/>
+                    </a:lnT>
+                    <a:lnB>
+                      <a:noFill/>
+                    </a:lnB>
+                    <a:noFill/>
+                  </a:tcPr>
+                </a:tc>
+                <a:extLst>
+                  <a:ext uri="{0D108BD9-81ED-4DB2-BD59-A6C34878D82A}">
+                    <a16:rowId xmlns:a16="http://schemas.microsoft.com/office/drawing/2014/main" val="1509889893"/>
+                  </a:ext>
+                </a:extLst>
+              </a:tr>
+              <a:tr h="184150">
+                <a:tc vMerge="1">
+                  <a:txBody>
+                    <a:bodyPr/>
+                    <a:lstStyle/>
+                    <a:p>
+                      <a:endParaRPr lang="en-US"/>
+                    </a:p>
+                  </a:txBody>
+                  <a:tcPr/>
+                </a:tc>
+                <a:tc>
+                  <a:txBody>
+                    <a:bodyPr/>
+                    <a:lstStyle/>
+                    <a:p>
+                      <a:pPr algn="ctr" rtl="0" fontAlgn="b"/>
+                      <a:r>
+                        <a:rPr lang="en-US" sz="900" b="1" i="0" u="none" strike="noStrike" dirty="0">
+                          <a:solidFill>
+                            <a:srgbClr val="000000"/>
+                          </a:solidFill>
+                          <a:effectLst/>
+                          <a:latin typeface="Candara" panose="020E0502030303020204" pitchFamily="34" charset="0"/>
+                        </a:rPr>
+                        <a:t>Max CC spend </a:t>
+                      </a:r>
+                      <a:r>
+                        <a:rPr lang="en-US" sz="900" b="1" i="0" u="none" strike="noStrike" dirty="0" err="1">
+                          <a:solidFill>
+                            <a:srgbClr val="000000"/>
+                          </a:solidFill>
+                          <a:effectLst/>
+                          <a:latin typeface="Candara" panose="020E0502030303020204" pitchFamily="34" charset="0"/>
+                        </a:rPr>
+                        <a:t>etc</a:t>
+                      </a:r>
+                      <a:endParaRPr lang="en-US" sz="900" b="1" i="0" u="none" strike="noStrike" dirty="0">
+                        <a:solidFill>
+                          <a:srgbClr val="000000"/>
+                        </a:solidFill>
+                        <a:effectLst/>
+                        <a:latin typeface="Candara" panose="020E0502030303020204" pitchFamily="34" charset="0"/>
+                      </a:endParaRPr>
+                    </a:p>
+                  </a:txBody>
+                  <a:tcPr marL="6350" marR="6350" marT="6350" marB="0" anchor="b">
+                    <a:lnL>
+                      <a:noFill/>
+                    </a:lnL>
+                    <a:lnR>
+                      <a:noFill/>
+                    </a:lnR>
+                    <a:lnT>
+                      <a:noFill/>
+                    </a:lnT>
+                    <a:lnB w="6350" cap="flat" cmpd="sng" algn="ctr">
+                      <a:solidFill>
+                        <a:srgbClr val="000000"/>
+                      </a:solidFill>
+                      <a:prstDash val="solid"/>
+                      <a:round/>
+                      <a:headEnd type="none" w="med" len="med"/>
+                      <a:tailEnd type="none" w="med" len="med"/>
+                    </a:lnB>
+                    <a:solidFill>
+                      <a:srgbClr val="E7E7E7"/>
+                    </a:solidFill>
+                  </a:tcPr>
+                </a:tc>
+                <a:extLst>
+                  <a:ext uri="{0D108BD9-81ED-4DB2-BD59-A6C34878D82A}">
+                    <a16:rowId xmlns:a16="http://schemas.microsoft.com/office/drawing/2014/main" val="2771109299"/>
                   </a:ext>
                 </a:extLst>
               </a:tr>
@@ -15607,6 +16267,468 @@
         </p:nvSpPr>
         <p:spPr>
           <a:xfrm>
+            <a:off x="584837" y="561632"/>
+            <a:ext cx="2977513" cy="1067023"/>
+          </a:xfrm>
+          <a:prstGeom prst="rect">
+            <a:avLst/>
+          </a:prstGeom>
+          <a:noFill/>
+        </p:spPr>
+        <p:txBody>
+          <a:bodyPr wrap="square">
+            <a:spAutoFit/>
+          </a:bodyPr>
+          <a:lstStyle/>
+          <a:p>
+            <a:pPr>
+              <a:lnSpc>
+                <a:spcPts val="3800"/>
+              </a:lnSpc>
+            </a:pPr>
+            <a:r>
+              <a:rPr lang="en-GB" dirty="0">
+                <a:solidFill>
+                  <a:schemeClr val="tx1">
+                    <a:lumMod val="85000"/>
+                    <a:lumOff val="15000"/>
+                  </a:schemeClr>
+                </a:solidFill>
+                <a:latin typeface="Candara" panose="020E0502030303020204" pitchFamily="34" charset="0"/>
+                <a:ea typeface="Inter Medium" panose="02000503000000020004" pitchFamily="2" charset="0"/>
+              </a:rPr>
+              <a:t>Model	</a:t>
+            </a:r>
+            <a:r>
+              <a:rPr lang="en-GB" sz="3600" dirty="0">
+                <a:solidFill>
+                  <a:schemeClr val="tx1">
+                    <a:lumMod val="85000"/>
+                    <a:lumOff val="15000"/>
+                  </a:schemeClr>
+                </a:solidFill>
+                <a:latin typeface="Candara" panose="020E0502030303020204" pitchFamily="34" charset="0"/>
+                <a:ea typeface="Inter Medium" panose="02000503000000020004" pitchFamily="2" charset="0"/>
+              </a:rPr>
+              <a:t> </a:t>
+            </a:r>
+            <a:r>
+              <a:rPr lang="en-GB" sz="3600" b="1" dirty="0">
+                <a:solidFill>
+                  <a:schemeClr val="accent6">
+                    <a:lumMod val="50000"/>
+                  </a:schemeClr>
+                </a:solidFill>
+                <a:latin typeface="Candara" panose="020E0502030303020204" pitchFamily="34" charset="0"/>
+                <a:ea typeface="Inter Medium" panose="02000503000000020004" pitchFamily="2" charset="0"/>
+              </a:rPr>
+              <a:t>Architecture</a:t>
+            </a:r>
+          </a:p>
+        </p:txBody>
+      </p:sp>
+      <p:cxnSp>
+        <p:nvCxnSpPr>
+          <p:cNvPr id="32" name="Straight Connector 31">
+            <a:extLst>
+              <a:ext uri="{FF2B5EF4-FFF2-40B4-BE49-F238E27FC236}">
+                <a16:creationId xmlns:a16="http://schemas.microsoft.com/office/drawing/2014/main" id="{573A18E9-B876-D640-0555-32C5E2F94B5A}"/>
+              </a:ext>
+            </a:extLst>
+          </p:cNvPr>
+          <p:cNvCxnSpPr>
+            <a:cxnSpLocks/>
+          </p:cNvCxnSpPr>
+          <p:nvPr/>
+        </p:nvCxnSpPr>
+        <p:spPr>
+          <a:xfrm flipV="1">
+            <a:off x="679855" y="3875093"/>
+            <a:ext cx="0" cy="2284403"/>
+          </a:xfrm>
+          <a:prstGeom prst="line">
+            <a:avLst/>
+          </a:prstGeom>
+          <a:ln w="28575">
+            <a:solidFill>
+              <a:schemeClr val="tx2"/>
+            </a:solidFill>
+          </a:ln>
+        </p:spPr>
+        <p:style>
+          <a:lnRef idx="1">
+            <a:schemeClr val="accent1"/>
+          </a:lnRef>
+          <a:fillRef idx="0">
+            <a:schemeClr val="accent1"/>
+          </a:fillRef>
+          <a:effectRef idx="0">
+            <a:schemeClr val="accent1"/>
+          </a:effectRef>
+          <a:fontRef idx="minor">
+            <a:schemeClr val="tx1"/>
+          </a:fontRef>
+        </p:style>
+      </p:cxnSp>
+      <p:cxnSp>
+        <p:nvCxnSpPr>
+          <p:cNvPr id="61" name="Straight Connector 60">
+            <a:extLst>
+              <a:ext uri="{FF2B5EF4-FFF2-40B4-BE49-F238E27FC236}">
+                <a16:creationId xmlns:a16="http://schemas.microsoft.com/office/drawing/2014/main" id="{E65AE9AE-8150-BAAD-2291-C74F989BCF85}"/>
+              </a:ext>
+            </a:extLst>
+          </p:cNvPr>
+          <p:cNvCxnSpPr>
+            <a:cxnSpLocks/>
+          </p:cNvCxnSpPr>
+          <p:nvPr/>
+        </p:nvCxnSpPr>
+        <p:spPr>
+          <a:xfrm>
+            <a:off x="8629650" y="957738"/>
+            <a:ext cx="3562350" cy="0"/>
+          </a:xfrm>
+          <a:prstGeom prst="line">
+            <a:avLst/>
+          </a:prstGeom>
+          <a:ln w="22225">
+            <a:prstDash val="sysDash"/>
+            <a:headEnd type="oval"/>
+            <a:tailEnd type="oval"/>
+          </a:ln>
+        </p:spPr>
+        <p:style>
+          <a:lnRef idx="1">
+            <a:schemeClr val="dk1"/>
+          </a:lnRef>
+          <a:fillRef idx="0">
+            <a:schemeClr val="dk1"/>
+          </a:fillRef>
+          <a:effectRef idx="0">
+            <a:schemeClr val="dk1"/>
+          </a:effectRef>
+          <a:fontRef idx="minor">
+            <a:schemeClr val="tx1"/>
+          </a:fontRef>
+        </p:style>
+      </p:cxnSp>
+      <p:sp>
+        <p:nvSpPr>
+          <p:cNvPr id="62" name="TextBox 61">
+            <a:extLst>
+              <a:ext uri="{FF2B5EF4-FFF2-40B4-BE49-F238E27FC236}">
+                <a16:creationId xmlns:a16="http://schemas.microsoft.com/office/drawing/2014/main" id="{B77D17A4-3FBE-B924-C999-7D934CAA1A3D}"/>
+              </a:ext>
+            </a:extLst>
+          </p:cNvPr>
+          <p:cNvSpPr txBox="1"/>
+          <p:nvPr/>
+        </p:nvSpPr>
+        <p:spPr>
+          <a:xfrm>
+            <a:off x="8459068" y="271105"/>
+            <a:ext cx="1885201" cy="338554"/>
+          </a:xfrm>
+          <a:prstGeom prst="rect">
+            <a:avLst/>
+          </a:prstGeom>
+          <a:noFill/>
+        </p:spPr>
+        <p:txBody>
+          <a:bodyPr wrap="square" rtlCol="0">
+            <a:spAutoFit/>
+          </a:bodyPr>
+          <a:lstStyle/>
+          <a:p>
+            <a:r>
+              <a:rPr lang="en-US" sz="1600" dirty="0">
+                <a:latin typeface="Poppins Medium" panose="00000600000000000000" pitchFamily="2" charset="0"/>
+                <a:ea typeface="Arimo SemiBold" panose="020B0604020202020204" pitchFamily="34" charset="0"/>
+                <a:cs typeface="Poppins Medium" panose="00000600000000000000" pitchFamily="2" charset="0"/>
+              </a:rPr>
+              <a:t>Overview</a:t>
+            </a:r>
+          </a:p>
+        </p:txBody>
+      </p:sp>
+      <p:sp>
+        <p:nvSpPr>
+          <p:cNvPr id="65" name="TextBox 64">
+            <a:extLst>
+              <a:ext uri="{FF2B5EF4-FFF2-40B4-BE49-F238E27FC236}">
+                <a16:creationId xmlns:a16="http://schemas.microsoft.com/office/drawing/2014/main" id="{3F73E6F2-B125-22A5-F9F5-8DF7F8F213C4}"/>
+              </a:ext>
+            </a:extLst>
+          </p:cNvPr>
+          <p:cNvSpPr txBox="1"/>
+          <p:nvPr/>
+        </p:nvSpPr>
+        <p:spPr>
+          <a:xfrm>
+            <a:off x="8458386" y="611490"/>
+            <a:ext cx="2788734" cy="230832"/>
+          </a:xfrm>
+          <a:prstGeom prst="rect">
+            <a:avLst/>
+          </a:prstGeom>
+          <a:noFill/>
+        </p:spPr>
+        <p:txBody>
+          <a:bodyPr wrap="square">
+            <a:spAutoFit/>
+          </a:bodyPr>
+          <a:lstStyle/>
+          <a:p>
+            <a:r>
+              <a:rPr lang="en-US" sz="900" b="0" i="0" dirty="0">
+                <a:effectLst/>
+                <a:latin typeface="Poppins "/>
+                <a:ea typeface="Arimo Medium" panose="020B0604020202020204" pitchFamily="34" charset="0"/>
+                <a:cs typeface="Poppins" panose="00000500000000000000" pitchFamily="2" charset="0"/>
+              </a:rPr>
+              <a:t>Busines</a:t>
+            </a:r>
+            <a:r>
+              <a:rPr lang="en-US" sz="900" dirty="0">
+                <a:latin typeface="Poppins "/>
+                <a:ea typeface="Arimo Medium" panose="020B0604020202020204" pitchFamily="34" charset="0"/>
+                <a:cs typeface="Poppins" panose="00000500000000000000" pitchFamily="2" charset="0"/>
+              </a:rPr>
+              <a:t>s problem </a:t>
+            </a:r>
+          </a:p>
+        </p:txBody>
+      </p:sp>
+      <p:sp>
+        <p:nvSpPr>
+          <p:cNvPr id="2" name="TextBox 1">
+            <a:extLst>
+              <a:ext uri="{FF2B5EF4-FFF2-40B4-BE49-F238E27FC236}">
+                <a16:creationId xmlns:a16="http://schemas.microsoft.com/office/drawing/2014/main" id="{99FDE9D3-1C18-D3EB-D013-BD29BC9D041C}"/>
+              </a:ext>
+            </a:extLst>
+          </p:cNvPr>
+          <p:cNvSpPr txBox="1"/>
+          <p:nvPr/>
+        </p:nvSpPr>
+        <p:spPr>
+          <a:xfrm>
+            <a:off x="9497419" y="813759"/>
+            <a:ext cx="2245359" cy="282129"/>
+          </a:xfrm>
+          <a:prstGeom prst="rect">
+            <a:avLst/>
+          </a:prstGeom>
+          <a:solidFill>
+            <a:schemeClr val="bg1"/>
+          </a:solidFill>
+          <a:ln>
+            <a:solidFill>
+              <a:schemeClr val="tx2">
+                <a:lumMod val="50000"/>
+              </a:schemeClr>
+            </a:solidFill>
+          </a:ln>
+        </p:spPr>
+        <p:txBody>
+          <a:bodyPr wrap="square">
+            <a:spAutoFit/>
+          </a:bodyPr>
+          <a:lstStyle/>
+          <a:p>
+            <a:pPr algn="r">
+              <a:lnSpc>
+                <a:spcPts val="1600"/>
+              </a:lnSpc>
+            </a:pPr>
+            <a:r>
+              <a:rPr lang="en-GB" sz="1000" b="1" dirty="0">
+                <a:solidFill>
+                  <a:schemeClr val="tx2"/>
+                </a:solidFill>
+                <a:latin typeface="Poppins "/>
+                <a:ea typeface="Inter" panose="02000503000000020004" pitchFamily="2" charset="0"/>
+              </a:rPr>
+              <a:t>High Level Architecture View : </a:t>
+            </a:r>
+          </a:p>
+        </p:txBody>
+      </p:sp>
+      <p:pic>
+        <p:nvPicPr>
+          <p:cNvPr id="2050" name="Picture 2" descr="Architectural ">
+            <a:extLst>
+              <a:ext uri="{FF2B5EF4-FFF2-40B4-BE49-F238E27FC236}">
+                <a16:creationId xmlns:a16="http://schemas.microsoft.com/office/drawing/2014/main" id="{AF32717E-C806-8CE5-4716-11822D7E4937}"/>
+              </a:ext>
+            </a:extLst>
+          </p:cNvPr>
+          <p:cNvPicPr>
+            <a:picLocks noChangeAspect="1" noChangeArrowheads="1"/>
+          </p:cNvPicPr>
+          <p:nvPr/>
+        </p:nvPicPr>
+        <p:blipFill>
+          <a:blip r:embed="rId2">
+            <a:extLst>
+              <a:ext uri="{28A0092B-C50C-407E-A947-70E740481C1C}">
+                <a14:useLocalDpi xmlns:a14="http://schemas.microsoft.com/office/drawing/2010/main" val="0"/>
+              </a:ext>
+            </a:extLst>
+          </a:blip>
+          <a:srcRect/>
+          <a:stretch>
+            <a:fillRect/>
+          </a:stretch>
+        </p:blipFill>
+        <p:spPr bwMode="auto">
+          <a:xfrm>
+            <a:off x="303426" y="726906"/>
+            <a:ext cx="365760" cy="365760"/>
+          </a:xfrm>
+          <a:prstGeom prst="rect">
+            <a:avLst/>
+          </a:prstGeom>
+          <a:noFill/>
+          <a:extLst>
+            <a:ext uri="{909E8E84-426E-40DD-AFC4-6F175D3DCCD1}">
+              <a14:hiddenFill xmlns:a14="http://schemas.microsoft.com/office/drawing/2010/main">
+                <a:solidFill>
+                  <a:srgbClr val="FFFFFF"/>
+                </a:solidFill>
+              </a14:hiddenFill>
+            </a:ext>
+          </a:extLst>
+        </p:spPr>
+      </p:pic>
+    </p:spTree>
+    <p:extLst>
+      <p:ext uri="{BB962C8B-B14F-4D97-AF65-F5344CB8AC3E}">
+        <p14:creationId xmlns:p14="http://schemas.microsoft.com/office/powerpoint/2010/main" val="3523735388"/>
+      </p:ext>
+    </p:extLst>
+  </p:cSld>
+  <p:clrMapOvr>
+    <a:masterClrMapping/>
+  </p:clrMapOvr>
+</p:sld>
+</file>
+
+<file path=ppt/slides/slide6.xml><?xml version="1.0" encoding="utf-8"?>
+<p:sld xmlns:a="http://schemas.openxmlformats.org/drawingml/2006/main" xmlns:r="http://schemas.openxmlformats.org/officeDocument/2006/relationships" xmlns:p="http://schemas.openxmlformats.org/presentationml/2006/main">
+  <p:cSld>
+    <p:spTree>
+      <p:nvGrpSpPr>
+        <p:cNvPr id="1" name=""/>
+        <p:cNvGrpSpPr/>
+        <p:nvPr/>
+      </p:nvGrpSpPr>
+      <p:grpSpPr>
+        <a:xfrm>
+          <a:off x="0" y="0"/>
+          <a:ext cx="0" cy="0"/>
+          <a:chOff x="0" y="0"/>
+          <a:chExt cx="0" cy="0"/>
+        </a:xfrm>
+      </p:grpSpPr>
+      <p:sp>
+        <p:nvSpPr>
+          <p:cNvPr id="7" name="Rectangle 6">
+            <a:extLst>
+              <a:ext uri="{FF2B5EF4-FFF2-40B4-BE49-F238E27FC236}">
+                <a16:creationId xmlns:a16="http://schemas.microsoft.com/office/drawing/2014/main" id="{3376F48B-393B-3C50-00DC-506D38C34083}"/>
+              </a:ext>
+            </a:extLst>
+          </p:cNvPr>
+          <p:cNvSpPr/>
+          <p:nvPr/>
+        </p:nvSpPr>
+        <p:spPr>
+          <a:xfrm>
+            <a:off x="248478" y="218661"/>
+            <a:ext cx="11638722" cy="6430617"/>
+          </a:xfrm>
+          <a:prstGeom prst="rect">
+            <a:avLst/>
+          </a:prstGeom>
+          <a:solidFill>
+            <a:schemeClr val="accent5">
+              <a:lumMod val="20000"/>
+              <a:lumOff val="80000"/>
+              <a:alpha val="12000"/>
+            </a:schemeClr>
+          </a:solidFill>
+          <a:ln w="19050"/>
+        </p:spPr>
+        <p:style>
+          <a:lnRef idx="2">
+            <a:schemeClr val="accent1">
+              <a:shade val="15000"/>
+            </a:schemeClr>
+          </a:lnRef>
+          <a:fillRef idx="1">
+            <a:schemeClr val="accent1"/>
+          </a:fillRef>
+          <a:effectRef idx="0">
+            <a:schemeClr val="accent1"/>
+          </a:effectRef>
+          <a:fontRef idx="minor">
+            <a:schemeClr val="lt1"/>
+          </a:fontRef>
+        </p:style>
+        <p:txBody>
+          <a:bodyPr rtlCol="0" anchor="ctr"/>
+          <a:lstStyle/>
+          <a:p>
+            <a:pPr marL="0" marR="0" lvl="0" indent="0" algn="ctr" defTabSz="914400" rtl="0" eaLnBrk="1" fontAlgn="auto" latinLnBrk="0" hangingPunct="1">
+              <a:lnSpc>
+                <a:spcPct val="100000"/>
+              </a:lnSpc>
+              <a:spcBef>
+                <a:spcPts val="0"/>
+              </a:spcBef>
+              <a:spcAft>
+                <a:spcPts val="0"/>
+              </a:spcAft>
+              <a:buClrTx/>
+              <a:buSzTx/>
+              <a:buFontTx/>
+              <a:buNone/>
+              <a:tabLst/>
+              <a:defRPr/>
+            </a:pPr>
+            <a:endParaRPr kumimoji="0" lang="en-IN" sz="1800" b="0" i="0" u="none" strike="noStrike" kern="1200" cap="none" spc="0" normalizeH="0" baseline="0" noProof="0">
+              <a:ln>
+                <a:noFill/>
+              </a:ln>
+              <a:solidFill>
+                <a:srgbClr val="FFFFFF"/>
+              </a:solidFill>
+              <a:effectLst/>
+              <a:uLnTx/>
+              <a:uFillTx/>
+              <a:latin typeface="Calibri" panose="020F0502020204030204"/>
+              <a:ea typeface="+mn-ea"/>
+              <a:cs typeface="+mn-cs"/>
+            </a:endParaRPr>
+          </a:p>
+        </p:txBody>
+      </p:sp>
+      <p:sp>
+        <p:nvSpPr>
+          <p:cNvPr id="6" name="TextBox 5">
+            <a:extLst>
+              <a:ext uri="{FF2B5EF4-FFF2-40B4-BE49-F238E27FC236}">
+                <a16:creationId xmlns:a16="http://schemas.microsoft.com/office/drawing/2014/main" id="{8C64D8CB-B5C7-2032-FC3B-A8A69138C64F}"/>
+              </a:ext>
+            </a:extLst>
+          </p:cNvPr>
+          <p:cNvSpPr txBox="1"/>
+          <p:nvPr/>
+        </p:nvSpPr>
+        <p:spPr>
+          <a:xfrm>
             <a:off x="584838" y="561632"/>
             <a:ext cx="1670682" cy="1067023"/>
           </a:xfrm>
@@ -16471,7 +17593,7 @@
 </p:sld>
 </file>
 
-<file path=ppt/slides/slide6.xml><?xml version="1.0" encoding="utf-8"?>
+<file path=ppt/slides/slide7.xml><?xml version="1.0" encoding="utf-8"?>
 <p:sld xmlns:a="http://schemas.openxmlformats.org/drawingml/2006/main" xmlns:r="http://schemas.openxmlformats.org/officeDocument/2006/relationships" xmlns:p="http://schemas.openxmlformats.org/presentationml/2006/main">
   <p:cSld>
     <p:spTree>
